--- a/relatorio/motion_graphs_presentation.pptx
+++ b/relatorio/motion_graphs_presentation.pptx
@@ -5,7 +5,7 @@
     <p:sldMasterId id="2147483672" r:id="rId1"/>
   </p:sldMasterIdLst>
   <p:notesMasterIdLst>
-    <p:notesMasterId r:id="rId16"/>
+    <p:notesMasterId r:id="rId17"/>
   </p:notesMasterIdLst>
   <p:sldIdLst>
     <p:sldId id="256" r:id="rId2"/>
@@ -16,12 +16,13 @@
     <p:sldId id="260" r:id="rId7"/>
     <p:sldId id="261" r:id="rId8"/>
     <p:sldId id="262" r:id="rId9"/>
-    <p:sldId id="267" r:id="rId10"/>
-    <p:sldId id="268" r:id="rId11"/>
-    <p:sldId id="269" r:id="rId12"/>
-    <p:sldId id="263" r:id="rId13"/>
-    <p:sldId id="264" r:id="rId14"/>
-    <p:sldId id="265" r:id="rId15"/>
+    <p:sldId id="270" r:id="rId10"/>
+    <p:sldId id="267" r:id="rId11"/>
+    <p:sldId id="268" r:id="rId12"/>
+    <p:sldId id="269" r:id="rId13"/>
+    <p:sldId id="263" r:id="rId14"/>
+    <p:sldId id="264" r:id="rId15"/>
+    <p:sldId id="265" r:id="rId16"/>
   </p:sldIdLst>
   <p:sldSz cx="9144000" cy="6858000" type="screen4x3"/>
   <p:notesSz cx="6858000" cy="9144000"/>
@@ -948,7 +949,15 @@
           <a:pPr rtl="0"/>
           <a:r>
             <a:rPr lang="en-US" dirty="0" smtClean="0"/>
-            <a:t>Search graph in order to generate the locomotion that best suits the path</a:t>
+            <a:t>Search graph in order to generate the locomotion that best </a:t>
+          </a:r>
+          <a:r>
+            <a:rPr lang="en-US" dirty="0" smtClean="0"/>
+            <a:t>fits the </a:t>
+          </a:r>
+          <a:r>
+            <a:rPr lang="en-US" dirty="0" smtClean="0"/>
+            <a:t>path</a:t>
           </a:r>
           <a:endParaRPr lang="pt-PT" dirty="0"/>
         </a:p>
@@ -984,6 +993,13 @@
         </dgm:presLayoutVars>
       </dgm:prSet>
       <dgm:spPr/>
+      <dgm:t>
+        <a:bodyPr/>
+        <a:lstStyle/>
+        <a:p>
+          <a:endParaRPr lang="pt-PT"/>
+        </a:p>
+      </dgm:t>
     </dgm:pt>
     <dgm:pt modelId="{BF01A43E-E2C8-47C1-A393-1F4EC1813C5D}" type="pres">
       <dgm:prSet presAssocID="{0E7EB4BE-2236-45CE-A80C-AAAD7369A764}" presName="arrow" presStyleLbl="bgShp" presStyleIdx="0" presStyleCnt="1"/>
@@ -1019,6 +1035,13 @@
         </dgm:presLayoutVars>
       </dgm:prSet>
       <dgm:spPr/>
+      <dgm:t>
+        <a:bodyPr/>
+        <a:lstStyle/>
+        <a:p>
+          <a:endParaRPr lang="pt-PT"/>
+        </a:p>
+      </dgm:t>
     </dgm:pt>
   </dgm:ptLst>
   <dgm:cxnLst>
@@ -1251,7 +1274,15 @@
           </a:pPr>
           <a:r>
             <a:rPr lang="en-US" sz="2700" kern="1200" dirty="0" smtClean="0"/>
-            <a:t>Search graph in order to generate the locomotion that best suits the path</a:t>
+            <a:t>Search graph in order to generate the locomotion that best </a:t>
+          </a:r>
+          <a:r>
+            <a:rPr lang="en-US" sz="2700" kern="1200" dirty="0" smtClean="0"/>
+            <a:t>fits the </a:t>
+          </a:r>
+          <a:r>
+            <a:rPr lang="en-US" sz="2700" kern="1200" dirty="0" smtClean="0"/>
+            <a:t>path</a:t>
           </a:r>
           <a:endParaRPr lang="pt-PT" sz="2700" kern="1200" dirty="0"/>
         </a:p>
@@ -2535,6 +2566,7 @@
           <a:p>
             <a:fld id="{CF915618-FF5C-47B2-9E26-C4607A09E84C}" type="datetimeFigureOut">
               <a:rPr lang="pt-PT" smtClean="0"/>
+              <a:pPr/>
               <a:t>18-05-2011</a:t>
             </a:fld>
             <a:endParaRPr lang="pt-PT"/>
@@ -2696,6 +2728,7 @@
           <a:p>
             <a:fld id="{14335F91-2727-4056-B071-47E09B7C9D0C}" type="slidenum">
               <a:rPr lang="pt-PT" smtClean="0"/>
+              <a:pPr/>
               <a:t>‹#›</a:t>
             </a:fld>
             <a:endParaRPr lang="pt-PT"/>
@@ -2867,7 +2900,8 @@
           <a:p>
             <a:fld id="{14335F91-2727-4056-B071-47E09B7C9D0C}" type="slidenum">
               <a:rPr lang="pt-PT" smtClean="0"/>
-              <a:t>12</a:t>
+              <a:pPr/>
+              <a:t>13</a:t>
             </a:fld>
             <a:endParaRPr lang="pt-PT"/>
           </a:p>
@@ -3054,6 +3088,7 @@
           <a:p>
             <a:fld id="{CA2A7BDF-F380-4FBC-B364-707EE15D4A1A}" type="datetime6">
               <a:rPr lang="en-US" smtClean="0"/>
+              <a:pPr/>
               <a:t>May 11</a:t>
             </a:fld>
             <a:endParaRPr lang="en-US"/>
@@ -3224,6 +3259,7 @@
           <a:p>
             <a:fld id="{50175B95-1088-42E0-9AA1-4C0DAAEF1215}" type="datetime6">
               <a:rPr lang="en-US" smtClean="0"/>
+              <a:pPr/>
               <a:t>May 11</a:t>
             </a:fld>
             <a:endParaRPr lang="en-US"/>
@@ -3404,6 +3440,7 @@
           <a:p>
             <a:fld id="{5A82CAAC-3412-47DB-BD68-4B2A66A07F4F}" type="datetime6">
               <a:rPr lang="en-US" smtClean="0"/>
+              <a:pPr/>
               <a:t>May 11</a:t>
             </a:fld>
             <a:endParaRPr lang="en-US"/>
@@ -3574,6 +3611,7 @@
           <a:p>
             <a:fld id="{216EFA8F-01C8-4AE0-9381-398D8D9F29A0}" type="datetime6">
               <a:rPr lang="en-US" smtClean="0"/>
+              <a:pPr/>
               <a:t>May 11</a:t>
             </a:fld>
             <a:endParaRPr lang="en-US"/>
@@ -3821,6 +3859,7 @@
           <a:p>
             <a:fld id="{0B0E7D23-A226-4B7D-B063-7CFB7E425E52}" type="datetime6">
               <a:rPr lang="en-US" smtClean="0"/>
+              <a:pPr/>
               <a:t>May 11</a:t>
             </a:fld>
             <a:endParaRPr lang="en-US"/>
@@ -4090,6 +4129,7 @@
           <a:p>
             <a:fld id="{0174FFFA-2FD5-4E3C-92C3-3E30CFFDAAFB}" type="datetime6">
               <a:rPr lang="en-US" smtClean="0"/>
+              <a:pPr/>
               <a:t>May 11</a:t>
             </a:fld>
             <a:endParaRPr lang="en-US"/>
@@ -4473,6 +4513,7 @@
           <a:p>
             <a:fld id="{68B2A495-F652-4143-B5B3-8C7C656A17F8}" type="datetime6">
               <a:rPr lang="en-US" smtClean="0"/>
+              <a:pPr/>
               <a:t>May 11</a:t>
             </a:fld>
             <a:endParaRPr lang="en-US"/>
@@ -4628,6 +4669,7 @@
           <a:p>
             <a:fld id="{E8F25277-786A-4050-AF8C-75AF2D265E05}" type="datetime6">
               <a:rPr lang="en-US" smtClean="0"/>
+              <a:pPr/>
               <a:t>May 11</a:t>
             </a:fld>
             <a:endParaRPr lang="en-US"/>
@@ -4723,6 +4765,7 @@
           <a:p>
             <a:fld id="{8FD06B6E-78E6-40CF-9ABE-97B638930F40}" type="datetime6">
               <a:rPr lang="en-US" smtClean="0"/>
+              <a:pPr/>
               <a:t>May 11</a:t>
             </a:fld>
             <a:endParaRPr lang="en-US"/>
@@ -4989,6 +5032,7 @@
           <a:p>
             <a:fld id="{69298F34-2F05-4830-82E4-53459CB3FEA6}" type="datetime6">
               <a:rPr lang="en-US" smtClean="0"/>
+              <a:pPr/>
               <a:t>May 11</a:t>
             </a:fld>
             <a:endParaRPr lang="en-US"/>
@@ -5282,6 +5326,7 @@
           <a:p>
             <a:fld id="{35488AA1-7C11-4C97-9179-1CF9CA644F2C}" type="datetime6">
               <a:rPr lang="en-US" smtClean="0"/>
+              <a:pPr/>
               <a:t>May 11</a:t>
             </a:fld>
             <a:endParaRPr lang="en-US"/>
@@ -6058,6 +6103,7 @@
           <a:p>
             <a:fld id="{56379D13-3038-45A5-9472-4764247ED764}" type="datetime6">
               <a:rPr lang="en-US" smtClean="0"/>
+              <a:pPr/>
               <a:t>May 11</a:t>
             </a:fld>
             <a:endParaRPr lang="en-US"/>
@@ -6759,11 +6805,7 @@
             </a:r>
             <a:r>
               <a:rPr lang="pt-PT" dirty="0" smtClean="0"/>
-              <a:t> </a:t>
-            </a:r>
-            <a:r>
-              <a:rPr lang="pt-PT" dirty="0" smtClean="0"/>
-              <a:t>Miranda</a:t>
+              <a:t> Miranda</a:t>
             </a:r>
             <a:endParaRPr lang="pt-PT" dirty="0"/>
           </a:p>
@@ -6786,6 +6828,7 @@
           <a:p>
             <a:fld id="{E964B71D-FB2D-431A-AC03-5A3D2AA78A39}" type="datetime6">
               <a:rPr lang="en-US" smtClean="0"/>
+              <a:pPr/>
               <a:t>May 11</a:t>
             </a:fld>
             <a:endParaRPr lang="en-US"/>
@@ -6911,11 +6954,7 @@
           <a:p>
             <a:r>
               <a:rPr lang="en-GB" dirty="0" smtClean="0"/>
-              <a:t>Choosing </a:t>
-            </a:r>
-            <a:r>
-              <a:rPr lang="en-GB" dirty="0" smtClean="0"/>
-              <a:t>the correct animation</a:t>
+              <a:t>Using animations from motion graphs</a:t>
             </a:r>
             <a:endParaRPr lang="pt-PT" b="1" dirty="0"/>
           </a:p>
@@ -6938,6 +6977,7 @@
           <a:p>
             <a:fld id="{216EFA8F-01C8-4AE0-9381-398D8D9F29A0}" type="datetime6">
               <a:rPr lang="en-US" smtClean="0"/>
+              <a:pPr/>
               <a:t>May 11</a:t>
             </a:fld>
             <a:endParaRPr lang="en-US"/>
@@ -6996,6 +7036,13 @@
   <p:clrMapOvr>
     <a:masterClrMapping/>
   </p:clrMapOvr>
+  <p:timing>
+    <p:tnLst>
+      <p:par>
+        <p:cTn id="1" dur="indefinite" restart="never" nodeType="tmRoot"/>
+      </p:par>
+    </p:tnLst>
+  </p:timing>
 </p:sld>
 </file>
 
@@ -7056,9 +7103,9 @@
           <a:p>
             <a:r>
               <a:rPr lang="en-GB" dirty="0" smtClean="0"/>
-              <a:t>How to put stuff in motion (for each segment of the user defined path, we have the corresponding animation with the lowest error) </a:t>
-            </a:r>
-            <a:endParaRPr lang="pt-PT" sz="4200" dirty="0"/>
+              <a:t>Choosing the correct animation</a:t>
+            </a:r>
+            <a:endParaRPr lang="pt-PT" b="1" dirty="0"/>
           </a:p>
         </p:txBody>
       </p:sp>
@@ -7079,6 +7126,7 @@
           <a:p>
             <a:fld id="{216EFA8F-01C8-4AE0-9381-398D8D9F29A0}" type="datetime6">
               <a:rPr lang="en-US" smtClean="0"/>
+              <a:pPr/>
               <a:t>May 11</a:t>
             </a:fld>
             <a:endParaRPr lang="en-US"/>
@@ -7169,18 +7217,12 @@
         </p:nvSpPr>
         <p:spPr/>
         <p:txBody>
-          <a:bodyPr>
-            <a:normAutofit/>
-          </a:bodyPr>
+          <a:bodyPr/>
           <a:lstStyle/>
           <a:p>
             <a:r>
               <a:rPr lang="en-US" dirty="0" smtClean="0"/>
-              <a:t>Obtained </a:t>
-            </a:r>
-            <a:r>
-              <a:rPr lang="en-US" dirty="0" smtClean="0"/>
-              <a:t>Results</a:t>
+              <a:t>Implementation</a:t>
             </a:r>
             <a:endParaRPr lang="pt-PT" dirty="0"/>
           </a:p>
@@ -7202,38 +7244,10 @@
           <a:lstStyle/>
           <a:p>
             <a:r>
-              <a:rPr lang="pt-PT" dirty="0" err="1" smtClean="0"/>
-              <a:t>Live</a:t>
-            </a:r>
-            <a:r>
-              <a:rPr lang="pt-PT" dirty="0" smtClean="0"/>
-              <a:t> demo </a:t>
-            </a:r>
-            <a:r>
-              <a:rPr lang="pt-PT" dirty="0" err="1" smtClean="0"/>
-              <a:t>or</a:t>
-            </a:r>
-            <a:r>
-              <a:rPr lang="pt-PT" dirty="0" smtClean="0"/>
-              <a:t> </a:t>
-            </a:r>
-            <a:r>
-              <a:rPr lang="pt-PT" dirty="0" err="1" smtClean="0"/>
-              <a:t>just</a:t>
-            </a:r>
-            <a:r>
-              <a:rPr lang="pt-PT" dirty="0" smtClean="0"/>
-              <a:t> some </a:t>
-            </a:r>
-            <a:r>
-              <a:rPr lang="pt-PT" dirty="0" err="1" smtClean="0"/>
-              <a:t>pics</a:t>
-            </a:r>
-            <a:r>
-              <a:rPr lang="pt-PT" dirty="0" smtClean="0"/>
-              <a:t>?</a:t>
-            </a:r>
-            <a:endParaRPr lang="pt-PT" dirty="0"/>
+              <a:rPr lang="en-GB" dirty="0" smtClean="0"/>
+              <a:t>How to put stuff in motion (for each segment of the user defined path, we have the corresponding animation with the lowest error) </a:t>
+            </a:r>
+            <a:endParaRPr lang="pt-PT" sz="4200" dirty="0"/>
           </a:p>
         </p:txBody>
       </p:sp>
@@ -7254,6 +7268,7 @@
           <a:p>
             <a:fld id="{216EFA8F-01C8-4AE0-9381-398D8D9F29A0}" type="datetime6">
               <a:rPr lang="en-US" smtClean="0"/>
+              <a:pPr/>
               <a:t>May 11</a:t>
             </a:fld>
             <a:endParaRPr lang="en-US"/>
@@ -7351,7 +7366,7 @@
           <a:p>
             <a:r>
               <a:rPr lang="en-US" dirty="0" smtClean="0"/>
-              <a:t>Conclusions</a:t>
+              <a:t>Obtained Results</a:t>
             </a:r>
             <a:endParaRPr lang="pt-PT" dirty="0"/>
           </a:p>
@@ -7374,7 +7389,15 @@
           <a:p>
             <a:r>
               <a:rPr lang="pt-PT" dirty="0" err="1" smtClean="0"/>
-              <a:t>This</a:t>
+              <a:t>Live</a:t>
+            </a:r>
+            <a:r>
+              <a:rPr lang="pt-PT" dirty="0" smtClean="0"/>
+              <a:t> demo </a:t>
+            </a:r>
+            <a:r>
+              <a:rPr lang="pt-PT" dirty="0" err="1" smtClean="0"/>
+              <a:t>or</a:t>
             </a:r>
             <a:r>
               <a:rPr lang="pt-PT" dirty="0" smtClean="0"/>
@@ -7382,7 +7405,19 @@
             </a:r>
             <a:r>
               <a:rPr lang="pt-PT" dirty="0" err="1" smtClean="0"/>
-              <a:t>sucks</a:t>
+              <a:t>just</a:t>
+            </a:r>
+            <a:r>
+              <a:rPr lang="pt-PT" dirty="0" smtClean="0"/>
+              <a:t> some </a:t>
+            </a:r>
+            <a:r>
+              <a:rPr lang="pt-PT" dirty="0" err="1" smtClean="0"/>
+              <a:t>pics</a:t>
+            </a:r>
+            <a:r>
+              <a:rPr lang="pt-PT" dirty="0" smtClean="0"/>
+              <a:t>?</a:t>
             </a:r>
             <a:endParaRPr lang="pt-PT" dirty="0"/>
           </a:p>
@@ -7405,6 +7440,7 @@
           <a:p>
             <a:fld id="{216EFA8F-01C8-4AE0-9381-398D8D9F29A0}" type="datetime6">
               <a:rPr lang="en-US" smtClean="0"/>
+              <a:pPr/>
               <a:t>May 11</a:t>
             </a:fld>
             <a:endParaRPr lang="en-US"/>
@@ -7490,6 +7526,158 @@
             <a:spLocks noGrp="1"/>
           </p:cNvSpPr>
           <p:nvPr>
+            <p:ph type="title"/>
+          </p:nvPr>
+        </p:nvSpPr>
+        <p:spPr/>
+        <p:txBody>
+          <a:bodyPr>
+            <a:normAutofit/>
+          </a:bodyPr>
+          <a:lstStyle/>
+          <a:p>
+            <a:r>
+              <a:rPr lang="en-US" dirty="0" smtClean="0"/>
+              <a:t>Conclusions</a:t>
+            </a:r>
+            <a:endParaRPr lang="pt-PT" dirty="0"/>
+          </a:p>
+        </p:txBody>
+      </p:sp>
+      <p:sp>
+        <p:nvSpPr>
+          <p:cNvPr id="3" name="Content Placeholder 2"/>
+          <p:cNvSpPr>
+            <a:spLocks noGrp="1"/>
+          </p:cNvSpPr>
+          <p:nvPr>
+            <p:ph idx="1"/>
+          </p:nvPr>
+        </p:nvSpPr>
+        <p:spPr/>
+        <p:txBody>
+          <a:bodyPr/>
+          <a:lstStyle/>
+          <a:p>
+            <a:r>
+              <a:rPr lang="pt-PT" dirty="0" err="1" smtClean="0"/>
+              <a:t>This</a:t>
+            </a:r>
+            <a:r>
+              <a:rPr lang="pt-PT" dirty="0" smtClean="0"/>
+              <a:t> </a:t>
+            </a:r>
+            <a:r>
+              <a:rPr lang="pt-PT" dirty="0" err="1" smtClean="0"/>
+              <a:t>sucks</a:t>
+            </a:r>
+            <a:endParaRPr lang="pt-PT" dirty="0"/>
+          </a:p>
+        </p:txBody>
+      </p:sp>
+      <p:sp>
+        <p:nvSpPr>
+          <p:cNvPr id="4" name="Date Placeholder 3"/>
+          <p:cNvSpPr>
+            <a:spLocks noGrp="1"/>
+          </p:cNvSpPr>
+          <p:nvPr>
+            <p:ph type="dt" sz="half" idx="10"/>
+          </p:nvPr>
+        </p:nvSpPr>
+        <p:spPr/>
+        <p:txBody>
+          <a:bodyPr/>
+          <a:lstStyle/>
+          <a:p>
+            <a:fld id="{216EFA8F-01C8-4AE0-9381-398D8D9F29A0}" type="datetime6">
+              <a:rPr lang="en-US" smtClean="0"/>
+              <a:pPr/>
+              <a:t>May 11</a:t>
+            </a:fld>
+            <a:endParaRPr lang="en-US"/>
+          </a:p>
+        </p:txBody>
+      </p:sp>
+      <p:sp>
+        <p:nvSpPr>
+          <p:cNvPr id="5" name="Footer Placeholder 4"/>
+          <p:cNvSpPr>
+            <a:spLocks noGrp="1"/>
+          </p:cNvSpPr>
+          <p:nvPr>
+            <p:ph type="ftr" sz="quarter" idx="11"/>
+          </p:nvPr>
+        </p:nvSpPr>
+        <p:spPr/>
+        <p:txBody>
+          <a:bodyPr/>
+          <a:lstStyle/>
+          <a:p>
+            <a:r>
+              <a:rPr lang="en-US" smtClean="0"/>
+              <a:t>University of Minho</a:t>
+            </a:r>
+            <a:endParaRPr lang="en-US"/>
+          </a:p>
+        </p:txBody>
+      </p:sp>
+      <p:sp>
+        <p:nvSpPr>
+          <p:cNvPr id="6" name="Slide Number Placeholder 5"/>
+          <p:cNvSpPr>
+            <a:spLocks noGrp="1"/>
+          </p:cNvSpPr>
+          <p:nvPr>
+            <p:ph type="sldNum" sz="quarter" idx="12"/>
+          </p:nvPr>
+        </p:nvSpPr>
+        <p:spPr/>
+        <p:txBody>
+          <a:bodyPr/>
+          <a:lstStyle/>
+          <a:p>
+            <a:fld id="{B6F15528-21DE-4FAA-801E-634DDDAF4B2B}" type="slidenum">
+              <a:rPr lang="en-US" smtClean="0"/>
+              <a:pPr/>
+              <a:t>14</a:t>
+            </a:fld>
+            <a:endParaRPr lang="en-US"/>
+          </a:p>
+        </p:txBody>
+      </p:sp>
+    </p:spTree>
+  </p:cSld>
+  <p:clrMapOvr>
+    <a:masterClrMapping/>
+  </p:clrMapOvr>
+</p:sld>
+</file>
+
+<file path=ppt/slides/slide15.xml><?xml version="1.0" encoding="utf-8"?>
+<p:sld xmlns:a="http://schemas.openxmlformats.org/drawingml/2006/main" xmlns:r="http://schemas.openxmlformats.org/officeDocument/2006/relationships" xmlns:p="http://schemas.openxmlformats.org/presentationml/2006/main">
+  <p:cSld>
+    <p:spTree>
+      <p:nvGrpSpPr>
+        <p:cNvPr id="1" name=""/>
+        <p:cNvGrpSpPr/>
+        <p:nvPr/>
+      </p:nvGrpSpPr>
+      <p:grpSpPr>
+        <a:xfrm>
+          <a:off x="0" y="0"/>
+          <a:ext cx="0" cy="0"/>
+          <a:chOff x="0" y="0"/>
+          <a:chExt cx="0" cy="0"/>
+        </a:xfrm>
+      </p:grpSpPr>
+      <p:sp>
+        <p:nvSpPr>
+          <p:cNvPr id="2" name="Title 1"/>
+          <p:cNvSpPr>
+            <a:spLocks noGrp="1"/>
+          </p:cNvSpPr>
+          <p:nvPr>
             <p:ph type="ctrTitle"/>
           </p:nvPr>
         </p:nvSpPr>
@@ -7577,6 +7765,7 @@
           <a:p>
             <a:fld id="{E964B71D-FB2D-431A-AC03-5A3D2AA78A39}" type="datetime6">
               <a:rPr lang="en-US" smtClean="0"/>
+              <a:pPr/>
               <a:t>May 11</a:t>
             </a:fld>
             <a:endParaRPr lang="en-US"/>
@@ -7624,7 +7813,7 @@
             <a:fld id="{B6F15528-21DE-4FAA-801E-634DDDAF4B2B}" type="slidenum">
               <a:rPr lang="en-US" smtClean="0"/>
               <a:pPr/>
-              <a:t>14</a:t>
+              <a:t>15</a:t>
             </a:fld>
             <a:endParaRPr lang="en-US"/>
           </a:p>
@@ -7757,6 +7946,7 @@
           <a:p>
             <a:fld id="{216EFA8F-01C8-4AE0-9381-398D8D9F29A0}" type="datetime6">
               <a:rPr lang="en-US" smtClean="0"/>
+              <a:pPr/>
               <a:t>May 11</a:t>
             </a:fld>
             <a:endParaRPr lang="en-US"/>
@@ -7884,13 +8074,8 @@
           <a:p>
             <a:r>
               <a:rPr lang="en-US" dirty="0" smtClean="0"/>
-              <a:t>Motion </a:t>
-            </a:r>
-            <a:r>
-              <a:rPr lang="en-US" dirty="0" smtClean="0"/>
-              <a:t>Graphs </a:t>
-            </a:r>
-            <a:endParaRPr lang="en-US" dirty="0" smtClean="0"/>
+              <a:t>Motion Graphs </a:t>
+            </a:r>
           </a:p>
           <a:p>
             <a:pPr lvl="1"/>
@@ -7940,26 +8125,14 @@
             <a:pPr lvl="1"/>
             <a:r>
               <a:rPr lang="en-US" dirty="0" smtClean="0"/>
-              <a:t>creating </a:t>
-            </a:r>
+              <a:t>creating realistic, controllable motion</a:t>
+            </a:r>
+          </a:p>
+          <a:p>
+            <a:pPr lvl="1"/>
             <a:r>
               <a:rPr lang="en-US" dirty="0" smtClean="0"/>
-              <a:t>realistic, controllable </a:t>
-            </a:r>
-            <a:r>
-              <a:rPr lang="en-US" dirty="0" smtClean="0"/>
-              <a:t>motion</a:t>
-            </a:r>
-          </a:p>
-          <a:p>
-            <a:pPr lvl="1"/>
-            <a:r>
-              <a:rPr lang="en-US" dirty="0" smtClean="0"/>
-              <a:t>directed graph </a:t>
-            </a:r>
-            <a:r>
-              <a:rPr lang="en-US" dirty="0" smtClean="0"/>
-              <a:t>with </a:t>
+              <a:t>directed graph with </a:t>
             </a:r>
             <a:r>
               <a:rPr lang="pt-PT" dirty="0" err="1" smtClean="0"/>
@@ -7987,15 +8160,7 @@
             </a:r>
             <a:r>
               <a:rPr lang="en-US" dirty="0" smtClean="0"/>
-              <a:t>is </a:t>
-            </a:r>
-            <a:r>
-              <a:rPr lang="en-US" dirty="0" smtClean="0"/>
-              <a:t>automatically </a:t>
-            </a:r>
-            <a:r>
-              <a:rPr lang="en-US" dirty="0" smtClean="0"/>
-              <a:t>generated</a:t>
+              <a:t>is automatically generated</a:t>
             </a:r>
           </a:p>
           <a:p>
@@ -8021,6 +8186,7 @@
           <a:p>
             <a:fld id="{216EFA8F-01C8-4AE0-9381-398D8D9F29A0}" type="datetime6">
               <a:rPr lang="en-US" smtClean="0"/>
+              <a:pPr/>
               <a:t>May 11</a:t>
             </a:fld>
             <a:endParaRPr lang="en-US"/>
@@ -8264,33 +8430,13 @@
           <a:p>
             <a:r>
               <a:rPr lang="en-US" dirty="0" smtClean="0"/>
-              <a:t>Shall be integrated </a:t>
-            </a:r>
+              <a:t>Shall be integrated into a larger virtual character locomotion system</a:t>
+            </a:r>
+          </a:p>
+          <a:p>
             <a:r>
               <a:rPr lang="en-US" dirty="0" smtClean="0"/>
-              <a:t>into a larger virtual character locomotion </a:t>
-            </a:r>
-            <a:r>
-              <a:rPr lang="en-US" dirty="0" smtClean="0"/>
-              <a:t>system</a:t>
-            </a:r>
-          </a:p>
-          <a:p>
-            <a:r>
-              <a:rPr lang="en-US" dirty="0" smtClean="0"/>
-              <a:t>OGRE </a:t>
-            </a:r>
-            <a:r>
-              <a:rPr lang="en-US" dirty="0" smtClean="0"/>
-              <a:t>engine </a:t>
-            </a:r>
-            <a:r>
-              <a:rPr lang="en-US" dirty="0" smtClean="0"/>
-              <a:t>was </a:t>
-            </a:r>
-            <a:r>
-              <a:rPr lang="en-US" dirty="0" smtClean="0"/>
-              <a:t>used as the basis for the entire project</a:t>
+              <a:t>OGRE engine was used as the basis for the entire project</a:t>
             </a:r>
             <a:endParaRPr lang="pt-PT" dirty="0"/>
           </a:p>
@@ -8313,6 +8459,7 @@
           <a:p>
             <a:fld id="{216EFA8F-01C8-4AE0-9381-398D8D9F29A0}" type="datetime6">
               <a:rPr lang="en-US" smtClean="0"/>
+              <a:pPr/>
               <a:t>May 11</a:t>
             </a:fld>
             <a:endParaRPr lang="en-US"/>
@@ -8462,6 +8609,7 @@
           <a:p>
             <a:fld id="{216EFA8F-01C8-4AE0-9381-398D8D9F29A0}" type="datetime6">
               <a:rPr lang="en-US" smtClean="0"/>
+              <a:pPr/>
               <a:t>May 11</a:t>
             </a:fld>
             <a:endParaRPr lang="en-US"/>
@@ -8659,11 +8807,7 @@
           <a:p>
             <a:r>
               <a:rPr lang="en-US" dirty="0" smtClean="0"/>
-              <a:t>User defined path should be approximated </a:t>
-            </a:r>
-            <a:r>
-              <a:rPr lang="en-US" dirty="0" smtClean="0"/>
-              <a:t>by a </a:t>
+              <a:t>User defined path should be approximated by a </a:t>
             </a:r>
             <a:r>
               <a:rPr lang="en-US" dirty="0" err="1" smtClean="0"/>
@@ -8674,34 +8818,14 @@
           <a:p>
             <a:r>
               <a:rPr lang="en-US" dirty="0" smtClean="0"/>
-              <a:t>Search the graph to minimize </a:t>
-            </a:r>
+              <a:t>Search the graph to minimize the error</a:t>
+            </a:r>
+          </a:p>
+          <a:p>
+            <a:pPr lvl="1"/>
             <a:r>
               <a:rPr lang="en-US" dirty="0" smtClean="0"/>
-              <a:t>the </a:t>
-            </a:r>
-            <a:r>
-              <a:rPr lang="en-US" dirty="0" smtClean="0"/>
-              <a:t>error</a:t>
-            </a:r>
-          </a:p>
-          <a:p>
-            <a:pPr lvl="1"/>
-            <a:r>
-              <a:rPr lang="en-US" dirty="0" smtClean="0"/>
-              <a:t>sum of the squared </a:t>
-            </a:r>
-            <a:r>
-              <a:rPr lang="en-US" dirty="0" smtClean="0"/>
-              <a:t>differences between the defined </a:t>
-            </a:r>
-            <a:r>
-              <a:rPr lang="en-US" dirty="0" smtClean="0"/>
-              <a:t>path and the </a:t>
-            </a:r>
-            <a:r>
-              <a:rPr lang="en-US" dirty="0" smtClean="0"/>
-              <a:t>produced locomotion</a:t>
+              <a:t>sum of the squared differences between the defined path and the produced locomotion</a:t>
             </a:r>
           </a:p>
           <a:p>
@@ -8730,6 +8854,7 @@
           <a:p>
             <a:fld id="{216EFA8F-01C8-4AE0-9381-398D8D9F29A0}" type="datetime6">
               <a:rPr lang="en-US" smtClean="0"/>
+              <a:pPr/>
               <a:t>May 11</a:t>
             </a:fld>
             <a:endParaRPr lang="en-US"/>
@@ -8833,40 +8958,6 @@
       </p:sp>
       <p:sp>
         <p:nvSpPr>
-          <p:cNvPr id="3" name="Content Placeholder 2"/>
-          <p:cNvSpPr>
-            <a:spLocks noGrp="1"/>
-          </p:cNvSpPr>
-          <p:nvPr>
-            <p:ph idx="1"/>
-          </p:nvPr>
-        </p:nvSpPr>
-        <p:spPr/>
-        <p:txBody>
-          <a:bodyPr/>
-          <a:lstStyle/>
-          <a:p>
-            <a:r>
-              <a:rPr lang="pt-PT" sz="2400" dirty="0" smtClean="0">
-                <a:hlinkClick r:id="rId2"/>
-              </a:rPr>
-              <a:t>http://</a:t>
-            </a:r>
-            <a:r>
-              <a:rPr lang="pt-PT" sz="2400" dirty="0" smtClean="0">
-                <a:hlinkClick r:id="rId2"/>
-              </a:rPr>
-              <a:t>www.youtube.com/watch?v=UxG6U0jeOu8</a:t>
-            </a:r>
-            <a:endParaRPr lang="pt-PT" dirty="0" smtClean="0"/>
-          </a:p>
-          <a:p>
-            <a:endParaRPr lang="pt-PT" sz="2400" dirty="0" smtClean="0"/>
-          </a:p>
-        </p:txBody>
-      </p:sp>
-      <p:sp>
-        <p:nvSpPr>
           <p:cNvPr id="4" name="Date Placeholder 3"/>
           <p:cNvSpPr>
             <a:spLocks noGrp="1"/>
@@ -8882,6 +8973,7 @@
           <a:p>
             <a:fld id="{216EFA8F-01C8-4AE0-9381-398D8D9F29A0}" type="datetime6">
               <a:rPr lang="en-US" smtClean="0"/>
+              <a:pPr/>
               <a:t>May 11</a:t>
             </a:fld>
             <a:endParaRPr lang="en-US"/>
@@ -8935,11 +9027,190 @@
           </a:p>
         </p:txBody>
       </p:sp>
+      <p:pic>
+        <p:nvPicPr>
+          <p:cNvPr id="7" name="pathFitMultiStyle.avi">
+            <a:hlinkClick r:id="" action="ppaction://media"/>
+          </p:cNvPr>
+          <p:cNvPicPr>
+            <a:picLocks noGrp="1" noRot="1" noChangeAspect="1"/>
+          </p:cNvPicPr>
+          <p:nvPr>
+            <p:ph idx="1"/>
+            <a:videoFile r:link="rId1"/>
+          </p:nvPr>
+        </p:nvPicPr>
+        <p:blipFill>
+          <a:blip r:embed="rId3" cstate="print"/>
+          <a:stretch>
+            <a:fillRect/>
+          </a:stretch>
+        </p:blipFill>
+        <p:spPr>
+          <a:xfrm>
+            <a:off x="1524000" y="1843088"/>
+            <a:ext cx="6096000" cy="4572000"/>
+          </a:xfrm>
+          <a:prstGeom prst="rect">
+            <a:avLst/>
+          </a:prstGeom>
+        </p:spPr>
+      </p:pic>
     </p:spTree>
   </p:cSld>
   <p:clrMapOvr>
     <a:masterClrMapping/>
   </p:clrMapOvr>
+  <p:timing>
+    <p:tnLst>
+      <p:par>
+        <p:cTn id="1" dur="indefinite" restart="never" nodeType="tmRoot">
+          <p:childTnLst>
+            <p:seq concurrent="1" nextAc="seek">
+              <p:cTn id="2" dur="indefinite" nodeType="mainSeq">
+                <p:childTnLst>
+                  <p:par>
+                    <p:cTn id="3" fill="hold">
+                      <p:stCondLst>
+                        <p:cond delay="indefinite"/>
+                        <p:cond evt="onBegin" delay="0">
+                          <p:tn val="2"/>
+                        </p:cond>
+                      </p:stCondLst>
+                      <p:childTnLst>
+                        <p:par>
+                          <p:cTn id="4" fill="hold">
+                            <p:stCondLst>
+                              <p:cond delay="0"/>
+                            </p:stCondLst>
+                            <p:childTnLst>
+                              <p:par>
+                                <p:cTn id="5" presetID="1" presetClass="mediacall" presetSubtype="0" fill="hold" nodeType="afterEffect">
+                                  <p:stCondLst>
+                                    <p:cond delay="0"/>
+                                  </p:stCondLst>
+                                  <p:childTnLst>
+                                    <p:cmd type="call" cmd="playFrom(0.0)">
+                                      <p:cBhvr>
+                                        <p:cTn id="6" dur="121155" fill="hold"/>
+                                        <p:tgtEl>
+                                          <p:spTgt spid="7"/>
+                                        </p:tgtEl>
+                                      </p:cBhvr>
+                                    </p:cmd>
+                                  </p:childTnLst>
+                                </p:cTn>
+                              </p:par>
+                            </p:childTnLst>
+                          </p:cTn>
+                        </p:par>
+                      </p:childTnLst>
+                    </p:cTn>
+                  </p:par>
+                </p:childTnLst>
+              </p:cTn>
+              <p:prevCondLst>
+                <p:cond evt="onPrev" delay="0">
+                  <p:tgtEl>
+                    <p:sldTgt/>
+                  </p:tgtEl>
+                </p:cond>
+              </p:prevCondLst>
+              <p:nextCondLst>
+                <p:cond evt="onNext" delay="0">
+                  <p:tgtEl>
+                    <p:sldTgt/>
+                  </p:tgtEl>
+                </p:cond>
+              </p:nextCondLst>
+            </p:seq>
+            <p:video>
+              <p:cMediaNode>
+                <p:cTn id="7" fill="hold" display="0">
+                  <p:stCondLst>
+                    <p:cond delay="indefinite"/>
+                  </p:stCondLst>
+                  <p:endCondLst>
+                    <p:cond evt="onNext" delay="0">
+                      <p:tgtEl>
+                        <p:sldTgt/>
+                      </p:tgtEl>
+                    </p:cond>
+                    <p:cond evt="onPrev" delay="0">
+                      <p:tgtEl>
+                        <p:sldTgt/>
+                      </p:tgtEl>
+                    </p:cond>
+                  </p:endCondLst>
+                </p:cTn>
+                <p:tgtEl>
+                  <p:spTgt spid="7"/>
+                </p:tgtEl>
+              </p:cMediaNode>
+            </p:video>
+            <p:seq concurrent="1" nextAc="seek">
+              <p:cTn id="8" restart="whenNotActive" fill="hold" evtFilter="cancelBubble" nodeType="interactiveSeq">
+                <p:stCondLst>
+                  <p:cond evt="onClick" delay="0">
+                    <p:tgtEl>
+                      <p:spTgt spid="7"/>
+                    </p:tgtEl>
+                  </p:cond>
+                </p:stCondLst>
+                <p:endSync evt="end" delay="0">
+                  <p:rtn val="all"/>
+                </p:endSync>
+                <p:childTnLst>
+                  <p:par>
+                    <p:cTn id="9" fill="hold">
+                      <p:stCondLst>
+                        <p:cond delay="0"/>
+                      </p:stCondLst>
+                      <p:childTnLst>
+                        <p:par>
+                          <p:cTn id="10" fill="hold">
+                            <p:stCondLst>
+                              <p:cond delay="0"/>
+                            </p:stCondLst>
+                            <p:childTnLst>
+                              <p:par>
+                                <p:cTn id="11" presetID="2" presetClass="mediacall" presetSubtype="0" fill="hold" nodeType="clickEffect">
+                                  <p:stCondLst>
+                                    <p:cond delay="0"/>
+                                  </p:stCondLst>
+                                  <p:childTnLst>
+                                    <p:cmd type="call" cmd="togglePause">
+                                      <p:cBhvr>
+                                        <p:cTn id="12" dur="1" fill="hold"/>
+                                        <p:tgtEl>
+                                          <p:spTgt spid="7"/>
+                                        </p:tgtEl>
+                                      </p:cBhvr>
+                                    </p:cmd>
+                                  </p:childTnLst>
+                                </p:cTn>
+                              </p:par>
+                            </p:childTnLst>
+                          </p:cTn>
+                        </p:par>
+                      </p:childTnLst>
+                    </p:cTn>
+                  </p:par>
+                </p:childTnLst>
+              </p:cTn>
+              <p:nextCondLst>
+                <p:cond evt="onClick" delay="0">
+                  <p:tgtEl>
+                    <p:spTgt spid="7"/>
+                  </p:tgtEl>
+                </p:cond>
+              </p:nextCondLst>
+            </p:seq>
+          </p:childTnLst>
+        </p:cTn>
+      </p:par>
+    </p:tnLst>
+  </p:timing>
 </p:sld>
 </file>
 
@@ -8998,11 +9269,14 @@
           <a:bodyPr/>
           <a:lstStyle/>
           <a:p>
+            <a:endParaRPr lang="en-GB" dirty="0" smtClean="0"/>
+          </a:p>
+          <a:p>
             <a:r>
               <a:rPr lang="en-GB" dirty="0" smtClean="0"/>
-              <a:t>User path definition</a:t>
-            </a:r>
-            <a:endParaRPr lang="pt-PT" b="1" dirty="0"/>
+              <a:t>FLUXOGRAMA HERE</a:t>
+            </a:r>
+            <a:endParaRPr lang="en-GB" dirty="0" smtClean="0"/>
           </a:p>
         </p:txBody>
       </p:sp>
@@ -9023,6 +9297,7 @@
           <a:p>
             <a:fld id="{216EFA8F-01C8-4AE0-9381-398D8D9F29A0}" type="datetime6">
               <a:rPr lang="en-US" smtClean="0"/>
+              <a:pPr/>
               <a:t>May 11</a:t>
             </a:fld>
             <a:endParaRPr lang="en-US"/>
@@ -9081,6 +9356,13 @@
   <p:clrMapOvr>
     <a:masterClrMapping/>
   </p:clrMapOvr>
+  <p:timing>
+    <p:tnLst>
+      <p:par>
+        <p:cTn id="1" dur="indefinite" restart="never" nodeType="tmRoot"/>
+      </p:par>
+    </p:tnLst>
+  </p:timing>
 </p:sld>
 </file>
 
@@ -9141,11 +9423,94 @@
           <a:p>
             <a:r>
               <a:rPr lang="en-GB" dirty="0" smtClean="0"/>
+              <a:t>User path </a:t>
+            </a:r>
+            <a:r>
+              <a:rPr lang="en-GB" dirty="0" smtClean="0"/>
+              <a:t>definition</a:t>
+            </a:r>
+          </a:p>
+          <a:p>
+            <a:pPr lvl="1"/>
+            <a:r>
+              <a:rPr lang="en-GB" dirty="0" smtClean="0"/>
               <a:t>Using </a:t>
             </a:r>
             <a:r>
               <a:rPr lang="en-GB" dirty="0" smtClean="0"/>
-              <a:t>animations from motion graphs</a:t>
+              <a:t>the </a:t>
+            </a:r>
+            <a:r>
+              <a:rPr lang="en-GB" dirty="0" smtClean="0"/>
+              <a:t>mouse the user defines points</a:t>
+            </a:r>
+          </a:p>
+          <a:p>
+            <a:pPr lvl="1"/>
+            <a:r>
+              <a:rPr lang="en-GB" dirty="0" smtClean="0"/>
+              <a:t>The path is </a:t>
+            </a:r>
+            <a:r>
+              <a:rPr lang="en-GB" dirty="0" smtClean="0"/>
+              <a:t>a sequence of vectors between </a:t>
+            </a:r>
+            <a:r>
+              <a:rPr lang="en-GB" dirty="0" smtClean="0"/>
+              <a:t>points</a:t>
+            </a:r>
+          </a:p>
+          <a:p>
+            <a:pPr lvl="1"/>
+            <a:r>
+              <a:rPr lang="en-GB" dirty="0" smtClean="0"/>
+              <a:t>Application constructs a line </a:t>
+            </a:r>
+            <a:r>
+              <a:rPr lang="en-GB" dirty="0" smtClean="0"/>
+              <a:t>that passes trough </a:t>
+            </a:r>
+            <a:r>
+              <a:rPr lang="en-GB" dirty="0" smtClean="0"/>
+              <a:t>the points</a:t>
+            </a:r>
+          </a:p>
+          <a:p>
+            <a:pPr lvl="2"/>
+            <a:r>
+              <a:rPr lang="en-GB" dirty="0" smtClean="0"/>
+              <a:t>Ideally this line should be a </a:t>
+            </a:r>
+            <a:r>
+              <a:rPr lang="en-GB" dirty="0" err="1" smtClean="0"/>
+              <a:t>spline</a:t>
+            </a:r>
+            <a:endParaRPr lang="en-GB" dirty="0" smtClean="0"/>
+          </a:p>
+          <a:p>
+            <a:pPr lvl="2"/>
+            <a:r>
+              <a:rPr lang="en-GB" dirty="0" smtClean="0"/>
+              <a:t>In </a:t>
+            </a:r>
+            <a:r>
+              <a:rPr lang="en-GB" dirty="0" smtClean="0"/>
+              <a:t>the current state, our work only supports a straight </a:t>
+            </a:r>
+            <a:r>
+              <a:rPr lang="en-GB" dirty="0" smtClean="0"/>
+              <a:t>line</a:t>
+            </a:r>
+          </a:p>
+          <a:p>
+            <a:pPr lvl="1"/>
+            <a:r>
+              <a:rPr lang="en-GB" dirty="0" smtClean="0"/>
+              <a:t>After the path is defined, the user can press the space </a:t>
+            </a:r>
+            <a:r>
+              <a:rPr lang="en-GB" dirty="0" smtClean="0"/>
+              <a:t>key to start error evaluation</a:t>
             </a:r>
             <a:endParaRPr lang="pt-PT" b="1" dirty="0"/>
           </a:p>
@@ -9168,6 +9533,7 @@
           <a:p>
             <a:fld id="{216EFA8F-01C8-4AE0-9381-398D8D9F29A0}" type="datetime6">
               <a:rPr lang="en-US" smtClean="0"/>
+              <a:pPr/>
               <a:t>May 11</a:t>
             </a:fld>
             <a:endParaRPr lang="en-US"/>
@@ -9226,6 +9592,13 @@
   <p:clrMapOvr>
     <a:masterClrMapping/>
   </p:clrMapOvr>
+  <p:timing>
+    <p:tnLst>
+      <p:par>
+        <p:cTn id="1" dur="indefinite" restart="never" nodeType="tmRoot"/>
+      </p:par>
+    </p:tnLst>
+  </p:timing>
 </p:sld>
 </file>
 

--- a/relatorio/motion_graphs_presentation.pptx
+++ b/relatorio/motion_graphs_presentation.pptx
@@ -5,7 +5,7 @@
     <p:sldMasterId id="2147483672" r:id="rId1"/>
   </p:sldMasterIdLst>
   <p:notesMasterIdLst>
-    <p:notesMasterId r:id="rId17"/>
+    <p:notesMasterId r:id="rId16"/>
   </p:notesMasterIdLst>
   <p:sldIdLst>
     <p:sldId id="256" r:id="rId2"/>
@@ -18,11 +18,10 @@
     <p:sldId id="262" r:id="rId9"/>
     <p:sldId id="270" r:id="rId10"/>
     <p:sldId id="267" r:id="rId11"/>
-    <p:sldId id="268" r:id="rId12"/>
-    <p:sldId id="269" r:id="rId13"/>
-    <p:sldId id="263" r:id="rId14"/>
-    <p:sldId id="264" r:id="rId15"/>
-    <p:sldId id="265" r:id="rId16"/>
+    <p:sldId id="269" r:id="rId12"/>
+    <p:sldId id="263" r:id="rId13"/>
+    <p:sldId id="264" r:id="rId14"/>
+    <p:sldId id="265" r:id="rId15"/>
   </p:sldIdLst>
   <p:sldSz cx="9144000" cy="6858000" type="screen4x3"/>
   <p:notesSz cx="6858000" cy="9144000"/>
@@ -949,15 +948,7 @@
           <a:pPr rtl="0"/>
           <a:r>
             <a:rPr lang="en-US" dirty="0" smtClean="0"/>
-            <a:t>Search graph in order to generate the locomotion that best </a:t>
-          </a:r>
-          <a:r>
-            <a:rPr lang="en-US" dirty="0" smtClean="0"/>
-            <a:t>fits the </a:t>
-          </a:r>
-          <a:r>
-            <a:rPr lang="en-US" dirty="0" smtClean="0"/>
-            <a:t>path</a:t>
+            <a:t>Search graph in order to generate the locomotion that best fits the path</a:t>
           </a:r>
           <a:endParaRPr lang="pt-PT" dirty="0"/>
         </a:p>
@@ -1274,15 +1265,7 @@
           </a:pPr>
           <a:r>
             <a:rPr lang="en-US" sz="2700" kern="1200" dirty="0" smtClean="0"/>
-            <a:t>Search graph in order to generate the locomotion that best </a:t>
-          </a:r>
-          <a:r>
-            <a:rPr lang="en-US" sz="2700" kern="1200" dirty="0" smtClean="0"/>
-            <a:t>fits the </a:t>
-          </a:r>
-          <a:r>
-            <a:rPr lang="en-US" sz="2700" kern="1200" dirty="0" smtClean="0"/>
-            <a:t>path</a:t>
+            <a:t>Search graph in order to generate the locomotion that best fits the path</a:t>
           </a:r>
           <a:endParaRPr lang="pt-PT" sz="2700" kern="1200" dirty="0"/>
         </a:p>
@@ -2567,7 +2550,7 @@
             <a:fld id="{CF915618-FF5C-47B2-9E26-C4607A09E84C}" type="datetimeFigureOut">
               <a:rPr lang="pt-PT" smtClean="0"/>
               <a:pPr/>
-              <a:t>18-05-2011</a:t>
+              <a:t>19-05-2011</a:t>
             </a:fld>
             <a:endParaRPr lang="pt-PT"/>
           </a:p>
@@ -2879,6 +2862,208 @@
           </a:bodyPr>
           <a:lstStyle/>
           <a:p>
+            <a:pPr marL="0" marR="0" indent="0" algn="l" defTabSz="914400" rtl="0" eaLnBrk="1" fontAlgn="auto" latinLnBrk="0" hangingPunct="1">
+              <a:lnSpc>
+                <a:spcPct val="100000"/>
+              </a:lnSpc>
+              <a:spcBef>
+                <a:spcPts val="0"/>
+              </a:spcBef>
+              <a:spcAft>
+                <a:spcPts val="0"/>
+              </a:spcAft>
+              <a:buClrTx/>
+              <a:buSzTx/>
+              <a:buFontTx/>
+              <a:buNone/>
+              <a:tabLst/>
+              <a:defRPr/>
+            </a:pPr>
+            <a:r>
+              <a:rPr lang="en-GB" sz="1200" kern="1200" dirty="0" smtClean="0">
+                <a:solidFill>
+                  <a:schemeClr val="tx1"/>
+                </a:solidFill>
+                <a:latin typeface="+mn-lt"/>
+                <a:ea typeface="+mn-ea"/>
+                <a:cs typeface="+mn-cs"/>
+              </a:rPr>
+              <a:t>First a segment from the path defined by the user is selected, the path P.</a:t>
+            </a:r>
+          </a:p>
+          <a:p>
+            <a:pPr marL="0" marR="0" indent="0" algn="l" defTabSz="914400" rtl="0" eaLnBrk="1" fontAlgn="auto" latinLnBrk="0" hangingPunct="1">
+              <a:lnSpc>
+                <a:spcPct val="100000"/>
+              </a:lnSpc>
+              <a:spcBef>
+                <a:spcPts val="0"/>
+              </a:spcBef>
+              <a:spcAft>
+                <a:spcPts val="0"/>
+              </a:spcAft>
+              <a:buClrTx/>
+              <a:buSzTx/>
+              <a:buFontTx/>
+              <a:buNone/>
+              <a:tabLst/>
+              <a:defRPr/>
+            </a:pPr>
+            <a:r>
+              <a:rPr lang="en-GB" sz="1200" kern="1200" dirty="0" smtClean="0">
+                <a:solidFill>
+                  <a:schemeClr val="tx1"/>
+                </a:solidFill>
+                <a:latin typeface="+mn-lt"/>
+                <a:ea typeface="+mn-ea"/>
+                <a:cs typeface="+mn-cs"/>
+              </a:rPr>
+              <a:t>For this segment, load and display the animations</a:t>
+            </a:r>
+          </a:p>
+          <a:p>
+            <a:pPr marL="0" marR="0" indent="0" algn="l" defTabSz="914400" rtl="0" eaLnBrk="1" fontAlgn="auto" latinLnBrk="0" hangingPunct="1">
+              <a:lnSpc>
+                <a:spcPct val="100000"/>
+              </a:lnSpc>
+              <a:spcBef>
+                <a:spcPts val="0"/>
+              </a:spcBef>
+              <a:spcAft>
+                <a:spcPts val="0"/>
+              </a:spcAft>
+              <a:buClrTx/>
+              <a:buSzTx/>
+              <a:buFontTx/>
+              <a:buNone/>
+              <a:tabLst/>
+              <a:defRPr/>
+            </a:pPr>
+            <a:r>
+              <a:rPr lang="en-GB" sz="1200" kern="1200" dirty="0" smtClean="0">
+                <a:solidFill>
+                  <a:schemeClr val="tx1"/>
+                </a:solidFill>
+                <a:latin typeface="+mn-lt"/>
+                <a:ea typeface="+mn-ea"/>
+                <a:cs typeface="+mn-cs"/>
+              </a:rPr>
+              <a:t>Then, for each one of this animation, we start by running it (P’)</a:t>
+            </a:r>
+          </a:p>
+          <a:p>
+            <a:pPr marL="0" marR="0" indent="0" algn="l" defTabSz="914400" rtl="0" eaLnBrk="1" fontAlgn="auto" latinLnBrk="0" hangingPunct="1">
+              <a:lnSpc>
+                <a:spcPct val="100000"/>
+              </a:lnSpc>
+              <a:spcBef>
+                <a:spcPts val="0"/>
+              </a:spcBef>
+              <a:spcAft>
+                <a:spcPts val="0"/>
+              </a:spcAft>
+              <a:buClrTx/>
+              <a:buSzTx/>
+              <a:buFontTx/>
+              <a:buNone/>
+              <a:tabLst/>
+              <a:defRPr/>
+            </a:pPr>
+            <a:r>
+              <a:rPr lang="en-GB" sz="1200" kern="1200" dirty="0" smtClean="0">
+                <a:solidFill>
+                  <a:schemeClr val="tx1"/>
+                </a:solidFill>
+                <a:latin typeface="+mn-lt"/>
+                <a:ea typeface="+mn-ea"/>
+                <a:cs typeface="+mn-cs"/>
+              </a:rPr>
+              <a:t>After the animation reaches the end, we can start to calculate the error</a:t>
+            </a:r>
+          </a:p>
+          <a:p>
+            <a:pPr marL="0" marR="0" indent="0" algn="l" defTabSz="914400" rtl="0" eaLnBrk="1" fontAlgn="auto" latinLnBrk="0" hangingPunct="1">
+              <a:lnSpc>
+                <a:spcPct val="100000"/>
+              </a:lnSpc>
+              <a:spcBef>
+                <a:spcPts val="0"/>
+              </a:spcBef>
+              <a:spcAft>
+                <a:spcPts val="0"/>
+              </a:spcAft>
+              <a:buClrTx/>
+              <a:buSzTx/>
+              <a:buFontTx/>
+              <a:buNone/>
+              <a:tabLst/>
+              <a:defRPr/>
+            </a:pPr>
+            <a:r>
+              <a:rPr lang="en-GB" sz="1200" kern="1200" dirty="0" smtClean="0">
+                <a:solidFill>
+                  <a:schemeClr val="tx1"/>
+                </a:solidFill>
+                <a:latin typeface="+mn-lt"/>
+                <a:ea typeface="+mn-ea"/>
+                <a:cs typeface="+mn-cs"/>
+              </a:rPr>
+              <a:t>The error can be defined as the distance between the </a:t>
+            </a:r>
+            <a:r>
+              <a:rPr lang="en-GB" sz="1200" kern="1200" dirty="0" err="1" smtClean="0">
+                <a:solidFill>
+                  <a:schemeClr val="tx1"/>
+                </a:solidFill>
+                <a:latin typeface="+mn-lt"/>
+                <a:ea typeface="+mn-ea"/>
+                <a:cs typeface="+mn-cs"/>
+              </a:rPr>
+              <a:t>arclength</a:t>
+            </a:r>
+            <a:r>
+              <a:rPr lang="en-GB" sz="1200" kern="1200" dirty="0" smtClean="0">
+                <a:solidFill>
+                  <a:schemeClr val="tx1"/>
+                </a:solidFill>
+                <a:latin typeface="+mn-lt"/>
+                <a:ea typeface="+mn-ea"/>
+                <a:cs typeface="+mn-cs"/>
+              </a:rPr>
+              <a:t> of the point where the animation ends, in the animation path (P’) and the point at the same </a:t>
+            </a:r>
+            <a:r>
+              <a:rPr lang="en-GB" sz="1200" kern="1200" dirty="0" err="1" smtClean="0">
+                <a:solidFill>
+                  <a:schemeClr val="tx1"/>
+                </a:solidFill>
+                <a:latin typeface="+mn-lt"/>
+                <a:ea typeface="+mn-ea"/>
+                <a:cs typeface="+mn-cs"/>
+              </a:rPr>
+              <a:t>arclength</a:t>
+            </a:r>
+            <a:r>
+              <a:rPr lang="en-GB" sz="1200" kern="1200" dirty="0" smtClean="0">
+                <a:solidFill>
+                  <a:schemeClr val="tx1"/>
+                </a:solidFill>
+                <a:latin typeface="+mn-lt"/>
+                <a:ea typeface="+mn-ea"/>
+                <a:cs typeface="+mn-cs"/>
+              </a:rPr>
+              <a:t> in the user defined path (P).  </a:t>
+            </a:r>
+            <a:endParaRPr lang="pt-PT" sz="1200" kern="1200" dirty="0" smtClean="0">
+              <a:solidFill>
+                <a:schemeClr val="tx1"/>
+              </a:solidFill>
+              <a:latin typeface="+mn-lt"/>
+              <a:ea typeface="+mn-ea"/>
+              <a:cs typeface="+mn-cs"/>
+            </a:endParaRPr>
+          </a:p>
+          <a:p>
             <a:endParaRPr lang="pt-PT" dirty="0"/>
           </a:p>
         </p:txBody>
@@ -2901,7 +3086,89 @@
             <a:fld id="{14335F91-2727-4056-B071-47E09B7C9D0C}" type="slidenum">
               <a:rPr lang="pt-PT" smtClean="0"/>
               <a:pPr/>
-              <a:t>13</a:t>
+              <a:t>10</a:t>
+            </a:fld>
+            <a:endParaRPr lang="pt-PT"/>
+          </a:p>
+        </p:txBody>
+      </p:sp>
+    </p:spTree>
+  </p:cSld>
+  <p:clrMapOvr>
+    <a:masterClrMapping/>
+  </p:clrMapOvr>
+</p:notes>
+</file>
+
+<file path=ppt/notesSlides/notesSlide2.xml><?xml version="1.0" encoding="utf-8"?>
+<p:notes xmlns:a="http://schemas.openxmlformats.org/drawingml/2006/main" xmlns:r="http://schemas.openxmlformats.org/officeDocument/2006/relationships" xmlns:p="http://schemas.openxmlformats.org/presentationml/2006/main">
+  <p:cSld>
+    <p:spTree>
+      <p:nvGrpSpPr>
+        <p:cNvPr id="1" name=""/>
+        <p:cNvGrpSpPr/>
+        <p:nvPr/>
+      </p:nvGrpSpPr>
+      <p:grpSpPr>
+        <a:xfrm>
+          <a:off x="0" y="0"/>
+          <a:ext cx="0" cy="0"/>
+          <a:chOff x="0" y="0"/>
+          <a:chExt cx="0" cy="0"/>
+        </a:xfrm>
+      </p:grpSpPr>
+      <p:sp>
+        <p:nvSpPr>
+          <p:cNvPr id="2" name="Slide Image Placeholder 1"/>
+          <p:cNvSpPr>
+            <a:spLocks noGrp="1" noRot="1" noChangeAspect="1"/>
+          </p:cNvSpPr>
+          <p:nvPr>
+            <p:ph type="sldImg"/>
+          </p:nvPr>
+        </p:nvSpPr>
+        <p:spPr/>
+      </p:sp>
+      <p:sp>
+        <p:nvSpPr>
+          <p:cNvPr id="3" name="Notes Placeholder 2"/>
+          <p:cNvSpPr>
+            <a:spLocks noGrp="1"/>
+          </p:cNvSpPr>
+          <p:nvPr>
+            <p:ph type="body" idx="1"/>
+          </p:nvPr>
+        </p:nvSpPr>
+        <p:spPr/>
+        <p:txBody>
+          <a:bodyPr>
+            <a:normAutofit/>
+          </a:bodyPr>
+          <a:lstStyle/>
+          <a:p>
+            <a:endParaRPr lang="pt-PT" dirty="0"/>
+          </a:p>
+        </p:txBody>
+      </p:sp>
+      <p:sp>
+        <p:nvSpPr>
+          <p:cNvPr id="4" name="Slide Number Placeholder 3"/>
+          <p:cNvSpPr>
+            <a:spLocks noGrp="1"/>
+          </p:cNvSpPr>
+          <p:nvPr>
+            <p:ph type="sldNum" sz="quarter" idx="10"/>
+          </p:nvPr>
+        </p:nvSpPr>
+        <p:spPr/>
+        <p:txBody>
+          <a:bodyPr/>
+          <a:lstStyle/>
+          <a:p>
+            <a:fld id="{14335F91-2727-4056-B071-47E09B7C9D0C}" type="slidenum">
+              <a:rPr lang="pt-PT" smtClean="0"/>
+              <a:pPr/>
+              <a:t>12</a:t>
             </a:fld>
             <a:endParaRPr lang="pt-PT"/>
           </a:p>
@@ -6954,9 +7221,20 @@
           <a:p>
             <a:r>
               <a:rPr lang="en-GB" dirty="0" smtClean="0"/>
-              <a:t>Using animations from motion graphs</a:t>
-            </a:r>
-            <a:endParaRPr lang="pt-PT" b="1" dirty="0"/>
+              <a:t>How to choose animations that fit the path defined by the user?</a:t>
+            </a:r>
+          </a:p>
+          <a:p>
+            <a:pPr lvl="1"/>
+            <a:r>
+              <a:rPr lang="en-GB" dirty="0" smtClean="0"/>
+              <a:t>Associate an error to each </a:t>
+            </a:r>
+            <a:r>
+              <a:rPr lang="en-GB" dirty="0" smtClean="0"/>
+              <a:t>animation:</a:t>
+            </a:r>
+            <a:endParaRPr lang="en-GB" dirty="0" smtClean="0"/>
           </a:p>
         </p:txBody>
       </p:sp>
@@ -7031,6 +7309,64 @@
           </a:p>
         </p:txBody>
       </p:sp>
+      <p:sp>
+        <p:nvSpPr>
+          <p:cNvPr id="36866" name="Rectangle 2"/>
+          <p:cNvSpPr>
+            <a:spLocks noChangeArrowheads="1"/>
+          </p:cNvSpPr>
+          <p:nvPr/>
+        </p:nvSpPr>
+        <p:spPr bwMode="auto">
+          <a:xfrm>
+            <a:off x="0" y="0"/>
+            <a:ext cx="9144000" cy="0"/>
+          </a:xfrm>
+          <a:prstGeom prst="rect">
+            <a:avLst/>
+          </a:prstGeom>
+          <a:noFill/>
+          <a:ln w="9525">
+            <a:noFill/>
+            <a:miter lim="800000"/>
+            <a:headEnd/>
+            <a:tailEnd/>
+          </a:ln>
+          <a:effectLst/>
+        </p:spPr>
+        <p:txBody>
+          <a:bodyPr vert="horz" wrap="none" lIns="91440" tIns="45720" rIns="91440" bIns="45720" numCol="1" anchor="ctr" anchorCtr="0" compatLnSpc="1">
+            <a:prstTxWarp prst="textNoShape">
+              <a:avLst/>
+            </a:prstTxWarp>
+            <a:spAutoFit/>
+          </a:bodyPr>
+          <a:lstStyle/>
+          <a:p>
+            <a:endParaRPr lang="pt-PT"/>
+          </a:p>
+        </p:txBody>
+      </p:sp>
+      <p:graphicFrame>
+        <p:nvGraphicFramePr>
+          <p:cNvPr id="36865" name="Object 1"/>
+          <p:cNvGraphicFramePr>
+            <a:graphicFrameLocks noChangeAspect="1"/>
+          </p:cNvGraphicFramePr>
+          <p:nvPr/>
+        </p:nvGraphicFramePr>
+        <p:xfrm>
+          <a:off x="1752600" y="3276600"/>
+          <a:ext cx="5557266" cy="2971800"/>
+        </p:xfrm>
+        <a:graphic>
+          <a:graphicData uri="http://schemas.openxmlformats.org/presentationml/2006/ole">
+            <p:oleObj spid="_x0000_s36865" r:id="rId4" imgW="2618460" imgH="1404862" progId="Visio.Drawing.11">
+              <p:embed/>
+            </p:oleObj>
+          </a:graphicData>
+        </a:graphic>
+      </p:graphicFrame>
     </p:spTree>
   </p:cSld>
   <p:clrMapOvr>
@@ -7103,9 +7439,36 @@
           <a:p>
             <a:r>
               <a:rPr lang="en-GB" dirty="0" smtClean="0"/>
-              <a:t>Choosing the correct animation</a:t>
-            </a:r>
-            <a:endParaRPr lang="pt-PT" b="1" dirty="0"/>
+              <a:t>The </a:t>
+            </a:r>
+            <a:r>
+              <a:rPr lang="en-GB" dirty="0" smtClean="0"/>
+              <a:t>process is repeated for all animations in each segment of the user defined path</a:t>
+            </a:r>
+            <a:endParaRPr lang="en-GB" dirty="0" smtClean="0"/>
+          </a:p>
+          <a:p>
+            <a:r>
+              <a:rPr lang="en-GB" dirty="0" smtClean="0"/>
+              <a:t>Then, for </a:t>
+            </a:r>
+            <a:r>
+              <a:rPr lang="en-GB" dirty="0" smtClean="0"/>
+              <a:t>each segment of the user defined path, we have the corresponding animation with the lowest </a:t>
+            </a:r>
+            <a:r>
+              <a:rPr lang="en-GB" dirty="0" smtClean="0"/>
+              <a:t>error</a:t>
+            </a:r>
+          </a:p>
+          <a:p>
+            <a:r>
+              <a:rPr lang="en-GB" dirty="0" smtClean="0"/>
+              <a:t>Now, only remains to show the calculated motion</a:t>
+            </a:r>
+          </a:p>
+          <a:p>
+            <a:endParaRPr lang="en-GB" dirty="0" smtClean="0"/>
           </a:p>
         </p:txBody>
       </p:sp>
@@ -7185,6 +7548,13 @@
   <p:clrMapOvr>
     <a:masterClrMapping/>
   </p:clrMapOvr>
+  <p:timing>
+    <p:tnLst>
+      <p:par>
+        <p:cTn id="1" dur="indefinite" restart="never" nodeType="tmRoot"/>
+      </p:par>
+    </p:tnLst>
+  </p:timing>
 </p:sld>
 </file>
 
@@ -7217,37 +7587,49 @@
         </p:nvSpPr>
         <p:spPr/>
         <p:txBody>
+          <a:bodyPr>
+            <a:normAutofit/>
+          </a:bodyPr>
+          <a:lstStyle/>
+          <a:p>
+            <a:r>
+              <a:rPr lang="en-US" dirty="0" smtClean="0"/>
+              <a:t>Obtained Results</a:t>
+            </a:r>
+            <a:endParaRPr lang="pt-PT" dirty="0"/>
+          </a:p>
+        </p:txBody>
+      </p:sp>
+      <p:sp>
+        <p:nvSpPr>
+          <p:cNvPr id="3" name="Content Placeholder 2"/>
+          <p:cNvSpPr>
+            <a:spLocks noGrp="1"/>
+          </p:cNvSpPr>
+          <p:nvPr>
+            <p:ph idx="1"/>
+          </p:nvPr>
+        </p:nvSpPr>
+        <p:spPr/>
+        <p:txBody>
           <a:bodyPr/>
           <a:lstStyle/>
           <a:p>
             <a:r>
-              <a:rPr lang="en-US" dirty="0" smtClean="0"/>
-              <a:t>Implementation</a:t>
-            </a:r>
+              <a:rPr lang="pt-PT" dirty="0" err="1" smtClean="0"/>
+              <a:t>Live</a:t>
+            </a:r>
+            <a:r>
+              <a:rPr lang="pt-PT" dirty="0" smtClean="0"/>
+              <a:t> </a:t>
+            </a:r>
+            <a:r>
+              <a:rPr lang="pt-PT" dirty="0" smtClean="0"/>
+              <a:t>demo</a:t>
+            </a:r>
+          </a:p>
+          <a:p>
             <a:endParaRPr lang="pt-PT" dirty="0"/>
-          </a:p>
-        </p:txBody>
-      </p:sp>
-      <p:sp>
-        <p:nvSpPr>
-          <p:cNvPr id="3" name="Content Placeholder 2"/>
-          <p:cNvSpPr>
-            <a:spLocks noGrp="1"/>
-          </p:cNvSpPr>
-          <p:nvPr>
-            <p:ph idx="1"/>
-          </p:nvPr>
-        </p:nvSpPr>
-        <p:spPr/>
-        <p:txBody>
-          <a:bodyPr/>
-          <a:lstStyle/>
-          <a:p>
-            <a:r>
-              <a:rPr lang="en-GB" dirty="0" smtClean="0"/>
-              <a:t>How to put stuff in motion (for each segment of the user defined path, we have the corresponding animation with the lowest error) </a:t>
-            </a:r>
-            <a:endParaRPr lang="pt-PT" sz="4200" dirty="0"/>
           </a:p>
         </p:txBody>
       </p:sp>
@@ -7327,6 +7709,13 @@
   <p:clrMapOvr>
     <a:masterClrMapping/>
   </p:clrMapOvr>
+  <p:timing>
+    <p:tnLst>
+      <p:par>
+        <p:cTn id="1" dur="indefinite" restart="never" nodeType="tmRoot"/>
+      </p:par>
+    </p:tnLst>
+  </p:timing>
 </p:sld>
 </file>
 
@@ -7366,7 +7755,7 @@
           <a:p>
             <a:r>
               <a:rPr lang="en-US" dirty="0" smtClean="0"/>
-              <a:t>Obtained Results</a:t>
+              <a:t>Conclusions and future work</a:t>
             </a:r>
             <a:endParaRPr lang="pt-PT" dirty="0"/>
           </a:p>
@@ -7388,16 +7777,15 @@
           <a:lstStyle/>
           <a:p>
             <a:r>
+              <a:rPr lang="pt-PT" dirty="0" smtClean="0"/>
+              <a:t>…</a:t>
+            </a:r>
+            <a:endParaRPr lang="pt-PT" dirty="0" smtClean="0"/>
+          </a:p>
+          <a:p>
+            <a:r>
               <a:rPr lang="pt-PT" dirty="0" err="1" smtClean="0"/>
-              <a:t>Live</a:t>
-            </a:r>
-            <a:r>
-              <a:rPr lang="pt-PT" dirty="0" smtClean="0"/>
-              <a:t> demo </a:t>
-            </a:r>
-            <a:r>
-              <a:rPr lang="pt-PT" dirty="0" err="1" smtClean="0"/>
-              <a:t>or</a:t>
+              <a:t>The</a:t>
             </a:r>
             <a:r>
               <a:rPr lang="pt-PT" dirty="0" smtClean="0"/>
@@ -7405,19 +7793,211 @@
             </a:r>
             <a:r>
               <a:rPr lang="pt-PT" dirty="0" err="1" smtClean="0"/>
-              <a:t>just</a:t>
+              <a:t>implementation</a:t>
             </a:r>
             <a:r>
               <a:rPr lang="pt-PT" dirty="0" smtClean="0"/>
-              <a:t> some </a:t>
+              <a:t> </a:t>
             </a:r>
             <a:r>
               <a:rPr lang="pt-PT" dirty="0" err="1" smtClean="0"/>
-              <a:t>pics</a:t>
+              <a:t>still</a:t>
             </a:r>
             <a:r>
               <a:rPr lang="pt-PT" dirty="0" smtClean="0"/>
-              <a:t>?</a:t>
+              <a:t> </a:t>
+            </a:r>
+            <a:r>
+              <a:rPr lang="pt-PT" dirty="0" err="1" smtClean="0"/>
+              <a:t>has</a:t>
+            </a:r>
+            <a:r>
+              <a:rPr lang="pt-PT" dirty="0" smtClean="0"/>
+              <a:t> a </a:t>
+            </a:r>
+            <a:r>
+              <a:rPr lang="pt-PT" dirty="0" err="1" smtClean="0"/>
+              <a:t>lot</a:t>
+            </a:r>
+            <a:r>
+              <a:rPr lang="pt-PT" dirty="0" smtClean="0"/>
+              <a:t> to </a:t>
+            </a:r>
+            <a:r>
+              <a:rPr lang="pt-PT" dirty="0" err="1" smtClean="0"/>
+              <a:t>improve</a:t>
+            </a:r>
+            <a:endParaRPr lang="pt-PT" dirty="0" smtClean="0"/>
+          </a:p>
+          <a:p>
+            <a:pPr lvl="1"/>
+            <a:r>
+              <a:rPr lang="pt-PT" dirty="0" smtClean="0"/>
+              <a:t>Use </a:t>
+            </a:r>
+            <a:r>
+              <a:rPr lang="pt-PT" dirty="0" err="1" smtClean="0"/>
+              <a:t>splines</a:t>
+            </a:r>
+            <a:r>
+              <a:rPr lang="pt-PT" dirty="0" smtClean="0"/>
+              <a:t> for </a:t>
+            </a:r>
+            <a:r>
+              <a:rPr lang="pt-PT" dirty="0" err="1" smtClean="0"/>
+              <a:t>the</a:t>
+            </a:r>
+            <a:r>
+              <a:rPr lang="pt-PT" dirty="0" smtClean="0"/>
+              <a:t> </a:t>
+            </a:r>
+            <a:r>
+              <a:rPr lang="pt-PT" dirty="0" err="1" smtClean="0"/>
+              <a:t>user</a:t>
+            </a:r>
+            <a:r>
+              <a:rPr lang="pt-PT" dirty="0" smtClean="0"/>
+              <a:t> </a:t>
+            </a:r>
+            <a:r>
+              <a:rPr lang="pt-PT" dirty="0" err="1" smtClean="0"/>
+              <a:t>defined</a:t>
+            </a:r>
+            <a:r>
+              <a:rPr lang="pt-PT" dirty="0" smtClean="0"/>
+              <a:t> </a:t>
+            </a:r>
+            <a:r>
+              <a:rPr lang="pt-PT" dirty="0" err="1" smtClean="0"/>
+              <a:t>path</a:t>
+            </a:r>
+            <a:endParaRPr lang="pt-PT" dirty="0" smtClean="0"/>
+          </a:p>
+          <a:p>
+            <a:pPr lvl="1"/>
+            <a:r>
+              <a:rPr lang="pt-PT" dirty="0" err="1" smtClean="0"/>
+              <a:t>Correct</a:t>
+            </a:r>
+            <a:r>
+              <a:rPr lang="pt-PT" dirty="0" smtClean="0"/>
+              <a:t> </a:t>
+            </a:r>
+            <a:r>
+              <a:rPr lang="pt-PT" dirty="0" err="1" smtClean="0"/>
+              <a:t>the</a:t>
+            </a:r>
+            <a:r>
+              <a:rPr lang="pt-PT" dirty="0" smtClean="0"/>
+              <a:t> </a:t>
+            </a:r>
+            <a:r>
+              <a:rPr lang="pt-PT" dirty="0" err="1" smtClean="0"/>
+              <a:t>display</a:t>
+            </a:r>
+            <a:r>
+              <a:rPr lang="pt-PT" dirty="0" smtClean="0"/>
+              <a:t> </a:t>
+            </a:r>
+            <a:r>
+              <a:rPr lang="pt-PT" dirty="0" err="1" smtClean="0"/>
+              <a:t>of</a:t>
+            </a:r>
+            <a:r>
+              <a:rPr lang="pt-PT" dirty="0" smtClean="0"/>
+              <a:t> </a:t>
+            </a:r>
+            <a:r>
+              <a:rPr lang="pt-PT" dirty="0" err="1" smtClean="0"/>
+              <a:t>the</a:t>
+            </a:r>
+            <a:r>
+              <a:rPr lang="pt-PT" dirty="0" smtClean="0"/>
+              <a:t> </a:t>
+            </a:r>
+            <a:r>
+              <a:rPr lang="pt-PT" dirty="0" err="1" smtClean="0"/>
+              <a:t>calculated</a:t>
+            </a:r>
+            <a:r>
+              <a:rPr lang="pt-PT" dirty="0" smtClean="0"/>
+              <a:t> </a:t>
+            </a:r>
+            <a:r>
+              <a:rPr lang="pt-PT" dirty="0" err="1" smtClean="0"/>
+              <a:t>motion</a:t>
+            </a:r>
+            <a:endParaRPr lang="pt-PT" dirty="0" smtClean="0"/>
+          </a:p>
+          <a:p>
+            <a:pPr lvl="1"/>
+            <a:r>
+              <a:rPr lang="pt-PT" dirty="0" err="1" smtClean="0"/>
+              <a:t>Fully</a:t>
+            </a:r>
+            <a:r>
+              <a:rPr lang="pt-PT" dirty="0" smtClean="0"/>
+              <a:t> </a:t>
+            </a:r>
+            <a:r>
+              <a:rPr lang="pt-PT" dirty="0" err="1" smtClean="0"/>
+              <a:t>integrate</a:t>
+            </a:r>
+            <a:r>
+              <a:rPr lang="pt-PT" dirty="0" smtClean="0"/>
+              <a:t> </a:t>
+            </a:r>
+            <a:r>
+              <a:rPr lang="pt-PT" dirty="0" err="1" smtClean="0"/>
+              <a:t>with</a:t>
+            </a:r>
+            <a:r>
+              <a:rPr lang="pt-PT" dirty="0" smtClean="0"/>
+              <a:t> </a:t>
+            </a:r>
+            <a:r>
+              <a:rPr lang="pt-PT" dirty="0" err="1" smtClean="0"/>
+              <a:t>the</a:t>
+            </a:r>
+            <a:r>
+              <a:rPr lang="pt-PT" dirty="0" smtClean="0"/>
+              <a:t> </a:t>
+            </a:r>
+            <a:r>
+              <a:rPr lang="pt-PT" dirty="0" err="1" smtClean="0"/>
+              <a:t>remaining</a:t>
+            </a:r>
+            <a:r>
+              <a:rPr lang="pt-PT" dirty="0" smtClean="0"/>
+              <a:t> </a:t>
+            </a:r>
+            <a:r>
+              <a:rPr lang="pt-PT" dirty="0" err="1" smtClean="0"/>
+              <a:t>system</a:t>
+            </a:r>
+            <a:endParaRPr lang="pt-PT" dirty="0" smtClean="0"/>
+          </a:p>
+          <a:p>
+            <a:pPr lvl="1"/>
+            <a:r>
+              <a:rPr lang="pt-PT" dirty="0" err="1" smtClean="0"/>
+              <a:t>Improve</a:t>
+            </a:r>
+            <a:r>
+              <a:rPr lang="pt-PT" dirty="0" smtClean="0"/>
+              <a:t> </a:t>
+            </a:r>
+            <a:r>
+              <a:rPr lang="pt-PT" dirty="0" err="1" smtClean="0"/>
+              <a:t>user</a:t>
+            </a:r>
+            <a:r>
+              <a:rPr lang="pt-PT" dirty="0" smtClean="0"/>
+              <a:t> </a:t>
+            </a:r>
+            <a:r>
+              <a:rPr lang="pt-PT" dirty="0" err="1" smtClean="0"/>
+              <a:t>interaction</a:t>
             </a:r>
             <a:endParaRPr lang="pt-PT" dirty="0"/>
           </a:p>
@@ -7499,6 +8079,13 @@
   <p:clrMapOvr>
     <a:masterClrMapping/>
   </p:clrMapOvr>
+  <p:timing>
+    <p:tnLst>
+      <p:par>
+        <p:cTn id="1" dur="indefinite" restart="never" nodeType="tmRoot"/>
+      </p:par>
+    </p:tnLst>
+  </p:timing>
 </p:sld>
 </file>
 
@@ -7526,42 +8113,17 @@
             <a:spLocks noGrp="1"/>
           </p:cNvSpPr>
           <p:nvPr>
-            <p:ph type="title"/>
+            <p:ph type="ctrTitle"/>
           </p:nvPr>
         </p:nvSpPr>
         <p:spPr/>
         <p:txBody>
-          <a:bodyPr>
-            <a:normAutofit/>
-          </a:bodyPr>
-          <a:lstStyle/>
-          <a:p>
-            <a:r>
-              <a:rPr lang="en-US" dirty="0" smtClean="0"/>
-              <a:t>Conclusions</a:t>
-            </a:r>
-            <a:endParaRPr lang="pt-PT" dirty="0"/>
-          </a:p>
-        </p:txBody>
-      </p:sp>
-      <p:sp>
-        <p:nvSpPr>
-          <p:cNvPr id="3" name="Content Placeholder 2"/>
-          <p:cNvSpPr>
-            <a:spLocks noGrp="1"/>
-          </p:cNvSpPr>
-          <p:nvPr>
-            <p:ph idx="1"/>
-          </p:nvPr>
-        </p:nvSpPr>
-        <p:spPr/>
-        <p:txBody>
           <a:bodyPr/>
           <a:lstStyle/>
           <a:p>
             <a:r>
               <a:rPr lang="pt-PT" dirty="0" err="1" smtClean="0"/>
-              <a:t>This</a:t>
+              <a:t>Motion</a:t>
             </a:r>
             <a:r>
               <a:rPr lang="pt-PT" dirty="0" smtClean="0"/>
@@ -7569,7 +8131,26 @@
             </a:r>
             <a:r>
               <a:rPr lang="pt-PT" dirty="0" err="1" smtClean="0"/>
-              <a:t>sucks</a:t>
+              <a:t>Graphs</a:t>
+            </a:r>
+            <a:r>
+              <a:rPr lang="pt-PT" dirty="0" smtClean="0"/>
+              <a:t/>
+            </a:r>
+            <a:br>
+              <a:rPr lang="pt-PT" dirty="0" smtClean="0"/>
+            </a:br>
+            <a:r>
+              <a:rPr lang="pt-PT" dirty="0" err="1" smtClean="0"/>
+              <a:t>Path</a:t>
+            </a:r>
+            <a:r>
+              <a:rPr lang="pt-PT" dirty="0" smtClean="0"/>
+              <a:t> </a:t>
+            </a:r>
+            <a:r>
+              <a:rPr lang="pt-PT" dirty="0" err="1" smtClean="0"/>
+              <a:t>Synthesis</a:t>
             </a:r>
             <a:endParaRPr lang="pt-PT" dirty="0"/>
           </a:p>
@@ -7577,7 +8158,34 @@
       </p:sp>
       <p:sp>
         <p:nvSpPr>
-          <p:cNvPr id="4" name="Date Placeholder 3"/>
+          <p:cNvPr id="3" name="Subtitle 2"/>
+          <p:cNvSpPr>
+            <a:spLocks noGrp="1"/>
+          </p:cNvSpPr>
+          <p:nvPr>
+            <p:ph type="subTitle" idx="1"/>
+          </p:nvPr>
+        </p:nvSpPr>
+        <p:spPr/>
+        <p:txBody>
+          <a:bodyPr/>
+          <a:lstStyle/>
+          <a:p>
+            <a:r>
+              <a:rPr lang="pt-PT" dirty="0" err="1" smtClean="0"/>
+              <a:t>Questions</a:t>
+            </a:r>
+            <a:r>
+              <a:rPr lang="pt-PT" dirty="0" smtClean="0"/>
+              <a:t>?</a:t>
+            </a:r>
+            <a:endParaRPr lang="pt-PT" dirty="0"/>
+          </a:p>
+        </p:txBody>
+      </p:sp>
+      <p:sp>
+        <p:nvSpPr>
+          <p:cNvPr id="5" name="Date Placeholder 4"/>
           <p:cNvSpPr>
             <a:spLocks noGrp="1"/>
           </p:cNvSpPr>
@@ -7590,7 +8198,7 @@
           <a:bodyPr/>
           <a:lstStyle/>
           <a:p>
-            <a:fld id="{216EFA8F-01C8-4AE0-9381-398D8D9F29A0}" type="datetime6">
+            <a:fld id="{E964B71D-FB2D-431A-AC03-5A3D2AA78A39}" type="datetime6">
               <a:rPr lang="en-US" smtClean="0"/>
               <a:pPr/>
               <a:t>May 11</a:t>
@@ -7601,7 +8209,7 @@
       </p:sp>
       <p:sp>
         <p:nvSpPr>
-          <p:cNvPr id="5" name="Footer Placeholder 4"/>
+          <p:cNvPr id="7" name="Footer Placeholder 6"/>
           <p:cNvSpPr>
             <a:spLocks noGrp="1"/>
           </p:cNvSpPr>
@@ -7641,179 +8249,6 @@
               <a:rPr lang="en-US" smtClean="0"/>
               <a:pPr/>
               <a:t>14</a:t>
-            </a:fld>
-            <a:endParaRPr lang="en-US"/>
-          </a:p>
-        </p:txBody>
-      </p:sp>
-    </p:spTree>
-  </p:cSld>
-  <p:clrMapOvr>
-    <a:masterClrMapping/>
-  </p:clrMapOvr>
-</p:sld>
-</file>
-
-<file path=ppt/slides/slide15.xml><?xml version="1.0" encoding="utf-8"?>
-<p:sld xmlns:a="http://schemas.openxmlformats.org/drawingml/2006/main" xmlns:r="http://schemas.openxmlformats.org/officeDocument/2006/relationships" xmlns:p="http://schemas.openxmlformats.org/presentationml/2006/main">
-  <p:cSld>
-    <p:spTree>
-      <p:nvGrpSpPr>
-        <p:cNvPr id="1" name=""/>
-        <p:cNvGrpSpPr/>
-        <p:nvPr/>
-      </p:nvGrpSpPr>
-      <p:grpSpPr>
-        <a:xfrm>
-          <a:off x="0" y="0"/>
-          <a:ext cx="0" cy="0"/>
-          <a:chOff x="0" y="0"/>
-          <a:chExt cx="0" cy="0"/>
-        </a:xfrm>
-      </p:grpSpPr>
-      <p:sp>
-        <p:nvSpPr>
-          <p:cNvPr id="2" name="Title 1"/>
-          <p:cNvSpPr>
-            <a:spLocks noGrp="1"/>
-          </p:cNvSpPr>
-          <p:nvPr>
-            <p:ph type="ctrTitle"/>
-          </p:nvPr>
-        </p:nvSpPr>
-        <p:spPr/>
-        <p:txBody>
-          <a:bodyPr/>
-          <a:lstStyle/>
-          <a:p>
-            <a:r>
-              <a:rPr lang="pt-PT" dirty="0" err="1" smtClean="0"/>
-              <a:t>Motion</a:t>
-            </a:r>
-            <a:r>
-              <a:rPr lang="pt-PT" dirty="0" smtClean="0"/>
-              <a:t> </a:t>
-            </a:r>
-            <a:r>
-              <a:rPr lang="pt-PT" dirty="0" err="1" smtClean="0"/>
-              <a:t>Graphs</a:t>
-            </a:r>
-            <a:r>
-              <a:rPr lang="pt-PT" dirty="0" smtClean="0"/>
-              <a:t/>
-            </a:r>
-            <a:br>
-              <a:rPr lang="pt-PT" dirty="0" smtClean="0"/>
-            </a:br>
-            <a:r>
-              <a:rPr lang="pt-PT" dirty="0" err="1" smtClean="0"/>
-              <a:t>Path</a:t>
-            </a:r>
-            <a:r>
-              <a:rPr lang="pt-PT" dirty="0" smtClean="0"/>
-              <a:t> </a:t>
-            </a:r>
-            <a:r>
-              <a:rPr lang="pt-PT" dirty="0" err="1" smtClean="0"/>
-              <a:t>Synthesis</a:t>
-            </a:r>
-            <a:endParaRPr lang="pt-PT" dirty="0"/>
-          </a:p>
-        </p:txBody>
-      </p:sp>
-      <p:sp>
-        <p:nvSpPr>
-          <p:cNvPr id="3" name="Subtitle 2"/>
-          <p:cNvSpPr>
-            <a:spLocks noGrp="1"/>
-          </p:cNvSpPr>
-          <p:nvPr>
-            <p:ph type="subTitle" idx="1"/>
-          </p:nvPr>
-        </p:nvSpPr>
-        <p:spPr/>
-        <p:txBody>
-          <a:bodyPr/>
-          <a:lstStyle/>
-          <a:p>
-            <a:r>
-              <a:rPr lang="pt-PT" dirty="0" err="1" smtClean="0"/>
-              <a:t>Questions</a:t>
-            </a:r>
-            <a:r>
-              <a:rPr lang="pt-PT" dirty="0" smtClean="0"/>
-              <a:t>?</a:t>
-            </a:r>
-            <a:endParaRPr lang="pt-PT" dirty="0"/>
-          </a:p>
-        </p:txBody>
-      </p:sp>
-      <p:sp>
-        <p:nvSpPr>
-          <p:cNvPr id="5" name="Date Placeholder 4"/>
-          <p:cNvSpPr>
-            <a:spLocks noGrp="1"/>
-          </p:cNvSpPr>
-          <p:nvPr>
-            <p:ph type="dt" sz="half" idx="10"/>
-          </p:nvPr>
-        </p:nvSpPr>
-        <p:spPr/>
-        <p:txBody>
-          <a:bodyPr/>
-          <a:lstStyle/>
-          <a:p>
-            <a:fld id="{E964B71D-FB2D-431A-AC03-5A3D2AA78A39}" type="datetime6">
-              <a:rPr lang="en-US" smtClean="0"/>
-              <a:pPr/>
-              <a:t>May 11</a:t>
-            </a:fld>
-            <a:endParaRPr lang="en-US"/>
-          </a:p>
-        </p:txBody>
-      </p:sp>
-      <p:sp>
-        <p:nvSpPr>
-          <p:cNvPr id="7" name="Footer Placeholder 6"/>
-          <p:cNvSpPr>
-            <a:spLocks noGrp="1"/>
-          </p:cNvSpPr>
-          <p:nvPr>
-            <p:ph type="ftr" sz="quarter" idx="11"/>
-          </p:nvPr>
-        </p:nvSpPr>
-        <p:spPr/>
-        <p:txBody>
-          <a:bodyPr/>
-          <a:lstStyle/>
-          <a:p>
-            <a:r>
-              <a:rPr lang="en-US" smtClean="0"/>
-              <a:t>University of Minho</a:t>
-            </a:r>
-            <a:endParaRPr lang="en-US"/>
-          </a:p>
-        </p:txBody>
-      </p:sp>
-      <p:sp>
-        <p:nvSpPr>
-          <p:cNvPr id="6" name="Slide Number Placeholder 5"/>
-          <p:cNvSpPr>
-            <a:spLocks noGrp="1"/>
-          </p:cNvSpPr>
-          <p:nvPr>
-            <p:ph type="sldNum" sz="quarter" idx="12"/>
-          </p:nvPr>
-        </p:nvSpPr>
-        <p:spPr/>
-        <p:txBody>
-          <a:bodyPr/>
-          <a:lstStyle/>
-          <a:p>
-            <a:fld id="{B6F15528-21DE-4FAA-801E-634DDDAF4B2B}" type="slidenum">
-              <a:rPr lang="en-US" smtClean="0"/>
-              <a:pPr/>
-              <a:t>15</a:t>
             </a:fld>
             <a:endParaRPr lang="en-US"/>
           </a:p>
@@ -7921,8 +8356,9 @@
           <a:p>
             <a:r>
               <a:rPr lang="en-US" dirty="0" smtClean="0"/>
-              <a:t>Conclusions</a:t>
-            </a:r>
+              <a:t>Conclusions and future work</a:t>
+            </a:r>
+            <a:endParaRPr lang="en-US" dirty="0" smtClean="0"/>
           </a:p>
           <a:p>
             <a:endParaRPr lang="en-US" dirty="0"/>
@@ -8352,9 +8788,262 @@
   <p:timing>
     <p:tnLst>
       <p:par>
-        <p:cTn id="1" dur="indefinite" restart="never" nodeType="tmRoot"/>
+        <p:cTn id="1" dur="indefinite" restart="never" nodeType="tmRoot">
+          <p:childTnLst>
+            <p:seq concurrent="1" nextAc="seek">
+              <p:cTn id="2" dur="indefinite" nodeType="mainSeq">
+                <p:childTnLst>
+                  <p:par>
+                    <p:cTn id="3" fill="hold">
+                      <p:stCondLst>
+                        <p:cond delay="indefinite"/>
+                      </p:stCondLst>
+                      <p:childTnLst>
+                        <p:par>
+                          <p:cTn id="4" fill="hold">
+                            <p:stCondLst>
+                              <p:cond delay="0"/>
+                            </p:stCondLst>
+                            <p:childTnLst>
+                              <p:par>
+                                <p:cTn id="5" presetID="3" presetClass="entr" presetSubtype="10" fill="hold" nodeType="clickEffect">
+                                  <p:stCondLst>
+                                    <p:cond delay="0"/>
+                                  </p:stCondLst>
+                                  <p:childTnLst>
+                                    <p:set>
+                                      <p:cBhvr>
+                                        <p:cTn id="6" dur="1" fill="hold">
+                                          <p:stCondLst>
+                                            <p:cond delay="0"/>
+                                          </p:stCondLst>
+                                        </p:cTn>
+                                        <p:tgtEl>
+                                          <p:spTgt spid="3">
+                                            <p:txEl>
+                                              <p:pRg st="2" end="2"/>
+                                            </p:txEl>
+                                          </p:spTgt>
+                                        </p:tgtEl>
+                                        <p:attrNameLst>
+                                          <p:attrName>style.visibility</p:attrName>
+                                        </p:attrNameLst>
+                                      </p:cBhvr>
+                                      <p:to>
+                                        <p:strVal val="visible"/>
+                                      </p:to>
+                                    </p:set>
+                                    <p:animEffect transition="in" filter="blinds(horizontal)">
+                                      <p:cBhvr>
+                                        <p:cTn id="7" dur="500"/>
+                                        <p:tgtEl>
+                                          <p:spTgt spid="3">
+                                            <p:txEl>
+                                              <p:pRg st="2" end="2"/>
+                                            </p:txEl>
+                                          </p:spTgt>
+                                        </p:tgtEl>
+                                      </p:cBhvr>
+                                    </p:animEffect>
+                                  </p:childTnLst>
+                                </p:cTn>
+                              </p:par>
+                            </p:childTnLst>
+                          </p:cTn>
+                        </p:par>
+                      </p:childTnLst>
+                    </p:cTn>
+                  </p:par>
+                  <p:par>
+                    <p:cTn id="8" fill="hold">
+                      <p:stCondLst>
+                        <p:cond delay="indefinite"/>
+                      </p:stCondLst>
+                      <p:childTnLst>
+                        <p:par>
+                          <p:cTn id="9" fill="hold">
+                            <p:stCondLst>
+                              <p:cond delay="0"/>
+                            </p:stCondLst>
+                            <p:childTnLst>
+                              <p:par>
+                                <p:cTn id="10" presetID="3" presetClass="entr" presetSubtype="10" fill="hold" nodeType="clickEffect">
+                                  <p:stCondLst>
+                                    <p:cond delay="0"/>
+                                  </p:stCondLst>
+                                  <p:childTnLst>
+                                    <p:set>
+                                      <p:cBhvr>
+                                        <p:cTn id="11" dur="1" fill="hold">
+                                          <p:stCondLst>
+                                            <p:cond delay="0"/>
+                                          </p:stCondLst>
+                                        </p:cTn>
+                                        <p:tgtEl>
+                                          <p:spTgt spid="3">
+                                            <p:txEl>
+                                              <p:pRg st="3" end="3"/>
+                                            </p:txEl>
+                                          </p:spTgt>
+                                        </p:tgtEl>
+                                        <p:attrNameLst>
+                                          <p:attrName>style.visibility</p:attrName>
+                                        </p:attrNameLst>
+                                      </p:cBhvr>
+                                      <p:to>
+                                        <p:strVal val="visible"/>
+                                      </p:to>
+                                    </p:set>
+                                    <p:animEffect transition="in" filter="blinds(horizontal)">
+                                      <p:cBhvr>
+                                        <p:cTn id="12" dur="500"/>
+                                        <p:tgtEl>
+                                          <p:spTgt spid="3">
+                                            <p:txEl>
+                                              <p:pRg st="3" end="3"/>
+                                            </p:txEl>
+                                          </p:spTgt>
+                                        </p:tgtEl>
+                                      </p:cBhvr>
+                                    </p:animEffect>
+                                  </p:childTnLst>
+                                </p:cTn>
+                              </p:par>
+                              <p:par>
+                                <p:cTn id="13" presetID="3" presetClass="entr" presetSubtype="10" fill="hold" nodeType="withEffect">
+                                  <p:stCondLst>
+                                    <p:cond delay="0"/>
+                                  </p:stCondLst>
+                                  <p:childTnLst>
+                                    <p:set>
+                                      <p:cBhvr>
+                                        <p:cTn id="14" dur="1" fill="hold">
+                                          <p:stCondLst>
+                                            <p:cond delay="0"/>
+                                          </p:stCondLst>
+                                        </p:cTn>
+                                        <p:tgtEl>
+                                          <p:spTgt spid="1026"/>
+                                        </p:tgtEl>
+                                        <p:attrNameLst>
+                                          <p:attrName>style.visibility</p:attrName>
+                                        </p:attrNameLst>
+                                      </p:cBhvr>
+                                      <p:to>
+                                        <p:strVal val="visible"/>
+                                      </p:to>
+                                    </p:set>
+                                    <p:animEffect transition="in" filter="blinds(horizontal)">
+                                      <p:cBhvr>
+                                        <p:cTn id="15" dur="500"/>
+                                        <p:tgtEl>
+                                          <p:spTgt spid="1026"/>
+                                        </p:tgtEl>
+                                      </p:cBhvr>
+                                    </p:animEffect>
+                                  </p:childTnLst>
+                                </p:cTn>
+                              </p:par>
+                              <p:par>
+                                <p:cTn id="16" presetID="3" presetClass="entr" presetSubtype="10" fill="hold" grpId="0" nodeType="withEffect">
+                                  <p:stCondLst>
+                                    <p:cond delay="0"/>
+                                  </p:stCondLst>
+                                  <p:childTnLst>
+                                    <p:set>
+                                      <p:cBhvr>
+                                        <p:cTn id="17" dur="1" fill="hold">
+                                          <p:stCondLst>
+                                            <p:cond delay="0"/>
+                                          </p:stCondLst>
+                                        </p:cTn>
+                                        <p:tgtEl>
+                                          <p:spTgt spid="8"/>
+                                        </p:tgtEl>
+                                        <p:attrNameLst>
+                                          <p:attrName>style.visibility</p:attrName>
+                                        </p:attrNameLst>
+                                      </p:cBhvr>
+                                      <p:to>
+                                        <p:strVal val="visible"/>
+                                      </p:to>
+                                    </p:set>
+                                    <p:animEffect transition="in" filter="blinds(horizontal)">
+                                      <p:cBhvr>
+                                        <p:cTn id="18" dur="500"/>
+                                        <p:tgtEl>
+                                          <p:spTgt spid="8"/>
+                                        </p:tgtEl>
+                                      </p:cBhvr>
+                                    </p:animEffect>
+                                  </p:childTnLst>
+                                </p:cTn>
+                              </p:par>
+                              <p:par>
+                                <p:cTn id="19" presetID="3" presetClass="entr" presetSubtype="10" fill="hold" nodeType="withEffect">
+                                  <p:stCondLst>
+                                    <p:cond delay="0"/>
+                                  </p:stCondLst>
+                                  <p:childTnLst>
+                                    <p:set>
+                                      <p:cBhvr>
+                                        <p:cTn id="20" dur="1" fill="hold">
+                                          <p:stCondLst>
+                                            <p:cond delay="0"/>
+                                          </p:stCondLst>
+                                        </p:cTn>
+                                        <p:tgtEl>
+                                          <p:spTgt spid="1027"/>
+                                        </p:tgtEl>
+                                        <p:attrNameLst>
+                                          <p:attrName>style.visibility</p:attrName>
+                                        </p:attrNameLst>
+                                      </p:cBhvr>
+                                      <p:to>
+                                        <p:strVal val="visible"/>
+                                      </p:to>
+                                    </p:set>
+                                    <p:animEffect transition="in" filter="blinds(horizontal)">
+                                      <p:cBhvr>
+                                        <p:cTn id="21" dur="500"/>
+                                        <p:tgtEl>
+                                          <p:spTgt spid="1027"/>
+                                        </p:tgtEl>
+                                      </p:cBhvr>
+                                    </p:animEffect>
+                                  </p:childTnLst>
+                                </p:cTn>
+                              </p:par>
+                            </p:childTnLst>
+                          </p:cTn>
+                        </p:par>
+                      </p:childTnLst>
+                    </p:cTn>
+                  </p:par>
+                </p:childTnLst>
+              </p:cTn>
+              <p:prevCondLst>
+                <p:cond evt="onPrev" delay="0">
+                  <p:tgtEl>
+                    <p:sldTgt/>
+                  </p:tgtEl>
+                </p:cond>
+              </p:prevCondLst>
+              <p:nextCondLst>
+                <p:cond evt="onNext" delay="0">
+                  <p:tgtEl>
+                    <p:sldTgt/>
+                  </p:tgtEl>
+                </p:cond>
+              </p:nextCondLst>
+            </p:seq>
+          </p:childTnLst>
+        </p:cTn>
       </p:par>
     </p:tnLst>
+    <p:bldLst>
+      <p:bldP spid="8" grpId="0" animBg="1"/>
+    </p:bldLst>
   </p:timing>
 </p:sld>
 </file>
@@ -8518,6 +9207,13 @@
   <p:clrMapOvr>
     <a:masterClrMapping/>
   </p:clrMapOvr>
+  <p:timing>
+    <p:tnLst>
+      <p:par>
+        <p:cTn id="1" dur="indefinite" restart="never" nodeType="tmRoot"/>
+      </p:par>
+    </p:tnLst>
+  </p:timing>
 </p:sld>
 </file>
 
@@ -8913,6 +9609,13 @@
   <p:clrMapOvr>
     <a:masterClrMapping/>
   </p:clrMapOvr>
+  <p:timing>
+    <p:tnLst>
+      <p:par>
+        <p:cTn id="1" dur="indefinite" restart="never" nodeType="tmRoot"/>
+      </p:par>
+    </p:tnLst>
+  </p:timing>
 </p:sld>
 </file>
 
@@ -9233,55 +9936,6 @@
       </p:grpSpPr>
       <p:sp>
         <p:nvSpPr>
-          <p:cNvPr id="2" name="Title 1"/>
-          <p:cNvSpPr>
-            <a:spLocks noGrp="1"/>
-          </p:cNvSpPr>
-          <p:nvPr>
-            <p:ph type="title"/>
-          </p:nvPr>
-        </p:nvSpPr>
-        <p:spPr/>
-        <p:txBody>
-          <a:bodyPr/>
-          <a:lstStyle/>
-          <a:p>
-            <a:r>
-              <a:rPr lang="en-US" dirty="0" smtClean="0"/>
-              <a:t>Implementation</a:t>
-            </a:r>
-            <a:endParaRPr lang="pt-PT" dirty="0"/>
-          </a:p>
-        </p:txBody>
-      </p:sp>
-      <p:sp>
-        <p:nvSpPr>
-          <p:cNvPr id="3" name="Content Placeholder 2"/>
-          <p:cNvSpPr>
-            <a:spLocks noGrp="1"/>
-          </p:cNvSpPr>
-          <p:nvPr>
-            <p:ph idx="1"/>
-          </p:nvPr>
-        </p:nvSpPr>
-        <p:spPr/>
-        <p:txBody>
-          <a:bodyPr/>
-          <a:lstStyle/>
-          <a:p>
-            <a:endParaRPr lang="en-GB" dirty="0" smtClean="0"/>
-          </a:p>
-          <a:p>
-            <a:r>
-              <a:rPr lang="en-GB" dirty="0" smtClean="0"/>
-              <a:t>FLUXOGRAMA HERE</a:t>
-            </a:r>
-            <a:endParaRPr lang="en-GB" dirty="0" smtClean="0"/>
-          </a:p>
-        </p:txBody>
-      </p:sp>
-      <p:sp>
-        <p:nvSpPr>
           <p:cNvPr id="4" name="Date Placeholder 3"/>
           <p:cNvSpPr>
             <a:spLocks noGrp="1"/>
@@ -9306,29 +9960,6 @@
       </p:sp>
       <p:sp>
         <p:nvSpPr>
-          <p:cNvPr id="5" name="Footer Placeholder 4"/>
-          <p:cNvSpPr>
-            <a:spLocks noGrp="1"/>
-          </p:cNvSpPr>
-          <p:nvPr>
-            <p:ph type="ftr" sz="quarter" idx="11"/>
-          </p:nvPr>
-        </p:nvSpPr>
-        <p:spPr/>
-        <p:txBody>
-          <a:bodyPr/>
-          <a:lstStyle/>
-          <a:p>
-            <a:r>
-              <a:rPr lang="en-US" smtClean="0"/>
-              <a:t>University of Minho</a:t>
-            </a:r>
-            <a:endParaRPr lang="en-US"/>
-          </a:p>
-        </p:txBody>
-      </p:sp>
-      <p:sp>
-        <p:nvSpPr>
           <p:cNvPr id="6" name="Slide Number Placeholder 5"/>
           <p:cNvSpPr>
             <a:spLocks noGrp="1"/>
@@ -9348,6 +9979,94 @@
               <a:t>8</a:t>
             </a:fld>
             <a:endParaRPr lang="en-US"/>
+          </a:p>
+        </p:txBody>
+      </p:sp>
+      <p:sp>
+        <p:nvSpPr>
+          <p:cNvPr id="9218" name="Rectangle 2"/>
+          <p:cNvSpPr>
+            <a:spLocks noChangeArrowheads="1"/>
+          </p:cNvSpPr>
+          <p:nvPr/>
+        </p:nvSpPr>
+        <p:spPr bwMode="auto">
+          <a:xfrm>
+            <a:off x="0" y="0"/>
+            <a:ext cx="9144000" cy="0"/>
+          </a:xfrm>
+          <a:prstGeom prst="rect">
+            <a:avLst/>
+          </a:prstGeom>
+          <a:noFill/>
+          <a:ln w="9525">
+            <a:noFill/>
+            <a:miter lim="800000"/>
+            <a:headEnd/>
+            <a:tailEnd/>
+          </a:ln>
+          <a:effectLst/>
+        </p:spPr>
+        <p:txBody>
+          <a:bodyPr vert="horz" wrap="none" lIns="91440" tIns="45720" rIns="91440" bIns="45720" numCol="1" anchor="ctr" anchorCtr="0" compatLnSpc="1">
+            <a:prstTxWarp prst="textNoShape">
+              <a:avLst/>
+            </a:prstTxWarp>
+            <a:spAutoFit/>
+          </a:bodyPr>
+          <a:lstStyle/>
+          <a:p>
+            <a:endParaRPr lang="pt-PT"/>
+          </a:p>
+        </p:txBody>
+      </p:sp>
+      <p:graphicFrame>
+        <p:nvGraphicFramePr>
+          <p:cNvPr id="9217" name="Object 1"/>
+          <p:cNvGraphicFramePr>
+            <a:graphicFrameLocks noChangeAspect="1"/>
+          </p:cNvGraphicFramePr>
+          <p:nvPr/>
+        </p:nvGraphicFramePr>
+        <p:xfrm>
+          <a:off x="0" y="-152400"/>
+          <a:ext cx="8600846" cy="7010400"/>
+        </p:xfrm>
+        <a:graphic>
+          <a:graphicData uri="http://schemas.openxmlformats.org/presentationml/2006/ole">
+            <p:oleObj spid="_x0000_s9217" r:id="rId3" imgW="4840020" imgH="7973236" progId="">
+              <p:embed/>
+            </p:oleObj>
+          </a:graphicData>
+        </a:graphic>
+      </p:graphicFrame>
+      <p:sp>
+        <p:nvSpPr>
+          <p:cNvPr id="10" name="Title 1"/>
+          <p:cNvSpPr>
+            <a:spLocks noGrp="1"/>
+          </p:cNvSpPr>
+          <p:nvPr>
+            <p:ph type="title"/>
+          </p:nvPr>
+        </p:nvSpPr>
+        <p:spPr>
+          <a:xfrm>
+            <a:off x="5029200" y="228600"/>
+            <a:ext cx="4114800" cy="1085088"/>
+          </a:xfrm>
+        </p:spPr>
+        <p:txBody>
+          <a:bodyPr>
+            <a:normAutofit fontScale="90000"/>
+          </a:bodyPr>
+          <a:lstStyle/>
+          <a:p>
+            <a:r>
+              <a:rPr lang="en-US" dirty="0" smtClean="0"/>
+              <a:t>Implementation</a:t>
+            </a:r>
+            <a:endParaRPr lang="pt-PT" dirty="0"/>
           </a:p>
         </p:txBody>
       </p:sp>
@@ -9423,56 +10142,28 @@
           <a:p>
             <a:r>
               <a:rPr lang="en-GB" dirty="0" smtClean="0"/>
-              <a:t>User path </a:t>
-            </a:r>
+              <a:t>User path definition</a:t>
+            </a:r>
+          </a:p>
+          <a:p>
+            <a:pPr lvl="1"/>
             <a:r>
               <a:rPr lang="en-GB" dirty="0" smtClean="0"/>
-              <a:t>definition</a:t>
+              <a:t>Using the mouse the user defines points</a:t>
             </a:r>
           </a:p>
           <a:p>
             <a:pPr lvl="1"/>
             <a:r>
               <a:rPr lang="en-GB" dirty="0" smtClean="0"/>
-              <a:t>Using </a:t>
-            </a:r>
+              <a:t>The path is a sequence of vectors between points</a:t>
+            </a:r>
+          </a:p>
+          <a:p>
+            <a:pPr lvl="1"/>
             <a:r>
               <a:rPr lang="en-GB" dirty="0" smtClean="0"/>
-              <a:t>the </a:t>
-            </a:r>
-            <a:r>
-              <a:rPr lang="en-GB" dirty="0" smtClean="0"/>
-              <a:t>mouse the user defines points</a:t>
-            </a:r>
-          </a:p>
-          <a:p>
-            <a:pPr lvl="1"/>
-            <a:r>
-              <a:rPr lang="en-GB" dirty="0" smtClean="0"/>
-              <a:t>The path is </a:t>
-            </a:r>
-            <a:r>
-              <a:rPr lang="en-GB" dirty="0" smtClean="0"/>
-              <a:t>a sequence of vectors between </a:t>
-            </a:r>
-            <a:r>
-              <a:rPr lang="en-GB" dirty="0" smtClean="0"/>
-              <a:t>points</a:t>
-            </a:r>
-          </a:p>
-          <a:p>
-            <a:pPr lvl="1"/>
-            <a:r>
-              <a:rPr lang="en-GB" dirty="0" smtClean="0"/>
-              <a:t>Application constructs a line </a:t>
-            </a:r>
-            <a:r>
-              <a:rPr lang="en-GB" dirty="0" smtClean="0"/>
-              <a:t>that passes trough </a:t>
-            </a:r>
-            <a:r>
-              <a:rPr lang="en-GB" dirty="0" smtClean="0"/>
-              <a:t>the points</a:t>
+              <a:t>Application constructs a line that passes trough the points</a:t>
             </a:r>
           </a:p>
           <a:p>
@@ -9491,26 +10182,14 @@
             <a:pPr lvl="2"/>
             <a:r>
               <a:rPr lang="en-GB" dirty="0" smtClean="0"/>
-              <a:t>In </a:t>
-            </a:r>
+              <a:t>In the current state, our work only supports a straight line</a:t>
+            </a:r>
+          </a:p>
+          <a:p>
+            <a:pPr lvl="1"/>
             <a:r>
               <a:rPr lang="en-GB" dirty="0" smtClean="0"/>
-              <a:t>the current state, our work only supports a straight </a:t>
-            </a:r>
-            <a:r>
-              <a:rPr lang="en-GB" dirty="0" smtClean="0"/>
-              <a:t>line</a:t>
-            </a:r>
-          </a:p>
-          <a:p>
-            <a:pPr lvl="1"/>
-            <a:r>
-              <a:rPr lang="en-GB" dirty="0" smtClean="0"/>
-              <a:t>After the path is defined, the user can press the space </a:t>
-            </a:r>
-            <a:r>
-              <a:rPr lang="en-GB" dirty="0" smtClean="0"/>
-              <a:t>key to start error evaluation</a:t>
+              <a:t>After the path is defined, the user can press the space key to start error evaluation</a:t>
             </a:r>
             <a:endParaRPr lang="pt-PT" b="1" dirty="0"/>
           </a:p>
@@ -9587,6 +10266,64 @@
           </a:p>
         </p:txBody>
       </p:sp>
+      <p:sp>
+        <p:nvSpPr>
+          <p:cNvPr id="8194" name="Rectangle 2"/>
+          <p:cNvSpPr>
+            <a:spLocks noChangeArrowheads="1"/>
+          </p:cNvSpPr>
+          <p:nvPr/>
+        </p:nvSpPr>
+        <p:spPr bwMode="auto">
+          <a:xfrm>
+            <a:off x="0" y="0"/>
+            <a:ext cx="9144000" cy="0"/>
+          </a:xfrm>
+          <a:prstGeom prst="rect">
+            <a:avLst/>
+          </a:prstGeom>
+          <a:noFill/>
+          <a:ln w="9525">
+            <a:noFill/>
+            <a:miter lim="800000"/>
+            <a:headEnd/>
+            <a:tailEnd/>
+          </a:ln>
+          <a:effectLst/>
+        </p:spPr>
+        <p:txBody>
+          <a:bodyPr vert="horz" wrap="none" lIns="91440" tIns="45720" rIns="91440" bIns="45720" numCol="1" anchor="ctr" anchorCtr="0" compatLnSpc="1">
+            <a:prstTxWarp prst="textNoShape">
+              <a:avLst/>
+            </a:prstTxWarp>
+            <a:spAutoFit/>
+          </a:bodyPr>
+          <a:lstStyle/>
+          <a:p>
+            <a:endParaRPr lang="pt-PT"/>
+          </a:p>
+        </p:txBody>
+      </p:sp>
+      <p:graphicFrame>
+        <p:nvGraphicFramePr>
+          <p:cNvPr id="8193" name="Object 1"/>
+          <p:cNvGraphicFramePr>
+            <a:graphicFrameLocks noChangeAspect="1"/>
+          </p:cNvGraphicFramePr>
+          <p:nvPr/>
+        </p:nvGraphicFramePr>
+        <p:xfrm>
+          <a:off x="4557743" y="838200"/>
+          <a:ext cx="4510057" cy="1676400"/>
+        </p:xfrm>
+        <a:graphic>
+          <a:graphicData uri="http://schemas.openxmlformats.org/presentationml/2006/ole">
+            <p:oleObj spid="_x0000_s8193" r:id="rId3" imgW="3968460" imgH="1481393" progId="">
+              <p:embed/>
+            </p:oleObj>
+          </a:graphicData>
+        </a:graphic>
+      </p:graphicFrame>
     </p:spTree>
   </p:cSld>
   <p:clrMapOvr>
@@ -9595,7 +10332,299 @@
   <p:timing>
     <p:tnLst>
       <p:par>
-        <p:cTn id="1" dur="indefinite" restart="never" nodeType="tmRoot"/>
+        <p:cTn id="1" dur="indefinite" restart="never" nodeType="tmRoot">
+          <p:childTnLst>
+            <p:seq concurrent="1" nextAc="seek">
+              <p:cTn id="2" dur="indefinite" nodeType="mainSeq">
+                <p:childTnLst>
+                  <p:par>
+                    <p:cTn id="3" fill="hold">
+                      <p:stCondLst>
+                        <p:cond delay="indefinite"/>
+                      </p:stCondLst>
+                      <p:childTnLst>
+                        <p:par>
+                          <p:cTn id="4" fill="hold">
+                            <p:stCondLst>
+                              <p:cond delay="0"/>
+                            </p:stCondLst>
+                            <p:childTnLst>
+                              <p:par>
+                                <p:cTn id="5" presetID="3" presetClass="entr" presetSubtype="10" fill="hold" nodeType="clickEffect">
+                                  <p:stCondLst>
+                                    <p:cond delay="0"/>
+                                  </p:stCondLst>
+                                  <p:childTnLst>
+                                    <p:set>
+                                      <p:cBhvr>
+                                        <p:cTn id="6" dur="1" fill="hold">
+                                          <p:stCondLst>
+                                            <p:cond delay="0"/>
+                                          </p:stCondLst>
+                                        </p:cTn>
+                                        <p:tgtEl>
+                                          <p:spTgt spid="3">
+                                            <p:txEl>
+                                              <p:pRg st="2" end="2"/>
+                                            </p:txEl>
+                                          </p:spTgt>
+                                        </p:tgtEl>
+                                        <p:attrNameLst>
+                                          <p:attrName>style.visibility</p:attrName>
+                                        </p:attrNameLst>
+                                      </p:cBhvr>
+                                      <p:to>
+                                        <p:strVal val="visible"/>
+                                      </p:to>
+                                    </p:set>
+                                    <p:animEffect transition="in" filter="blinds(horizontal)">
+                                      <p:cBhvr>
+                                        <p:cTn id="7" dur="500"/>
+                                        <p:tgtEl>
+                                          <p:spTgt spid="3">
+                                            <p:txEl>
+                                              <p:pRg st="2" end="2"/>
+                                            </p:txEl>
+                                          </p:spTgt>
+                                        </p:tgtEl>
+                                      </p:cBhvr>
+                                    </p:animEffect>
+                                  </p:childTnLst>
+                                </p:cTn>
+                              </p:par>
+                            </p:childTnLst>
+                          </p:cTn>
+                        </p:par>
+                      </p:childTnLst>
+                    </p:cTn>
+                  </p:par>
+                  <p:par>
+                    <p:cTn id="8" fill="hold">
+                      <p:stCondLst>
+                        <p:cond delay="indefinite"/>
+                      </p:stCondLst>
+                      <p:childTnLst>
+                        <p:par>
+                          <p:cTn id="9" fill="hold">
+                            <p:stCondLst>
+                              <p:cond delay="0"/>
+                            </p:stCondLst>
+                            <p:childTnLst>
+                              <p:par>
+                                <p:cTn id="10" presetID="3" presetClass="entr" presetSubtype="10" fill="hold" nodeType="clickEffect">
+                                  <p:stCondLst>
+                                    <p:cond delay="0"/>
+                                  </p:stCondLst>
+                                  <p:childTnLst>
+                                    <p:set>
+                                      <p:cBhvr>
+                                        <p:cTn id="11" dur="1" fill="hold">
+                                          <p:stCondLst>
+                                            <p:cond delay="0"/>
+                                          </p:stCondLst>
+                                        </p:cTn>
+                                        <p:tgtEl>
+                                          <p:spTgt spid="3">
+                                            <p:txEl>
+                                              <p:pRg st="3" end="3"/>
+                                            </p:txEl>
+                                          </p:spTgt>
+                                        </p:tgtEl>
+                                        <p:attrNameLst>
+                                          <p:attrName>style.visibility</p:attrName>
+                                        </p:attrNameLst>
+                                      </p:cBhvr>
+                                      <p:to>
+                                        <p:strVal val="visible"/>
+                                      </p:to>
+                                    </p:set>
+                                    <p:animEffect transition="in" filter="blinds(horizontal)">
+                                      <p:cBhvr>
+                                        <p:cTn id="12" dur="500"/>
+                                        <p:tgtEl>
+                                          <p:spTgt spid="3">
+                                            <p:txEl>
+                                              <p:pRg st="3" end="3"/>
+                                            </p:txEl>
+                                          </p:spTgt>
+                                        </p:tgtEl>
+                                      </p:cBhvr>
+                                    </p:animEffect>
+                                  </p:childTnLst>
+                                </p:cTn>
+                              </p:par>
+                              <p:par>
+                                <p:cTn id="13" presetID="3" presetClass="entr" presetSubtype="10" fill="hold" nodeType="withEffect">
+                                  <p:stCondLst>
+                                    <p:cond delay="0"/>
+                                  </p:stCondLst>
+                                  <p:childTnLst>
+                                    <p:set>
+                                      <p:cBhvr>
+                                        <p:cTn id="14" dur="1" fill="hold">
+                                          <p:stCondLst>
+                                            <p:cond delay="0"/>
+                                          </p:stCondLst>
+                                        </p:cTn>
+                                        <p:tgtEl>
+                                          <p:spTgt spid="3">
+                                            <p:txEl>
+                                              <p:pRg st="4" end="4"/>
+                                            </p:txEl>
+                                          </p:spTgt>
+                                        </p:tgtEl>
+                                        <p:attrNameLst>
+                                          <p:attrName>style.visibility</p:attrName>
+                                        </p:attrNameLst>
+                                      </p:cBhvr>
+                                      <p:to>
+                                        <p:strVal val="visible"/>
+                                      </p:to>
+                                    </p:set>
+                                    <p:animEffect transition="in" filter="blinds(horizontal)">
+                                      <p:cBhvr>
+                                        <p:cTn id="15" dur="500"/>
+                                        <p:tgtEl>
+                                          <p:spTgt spid="3">
+                                            <p:txEl>
+                                              <p:pRg st="4" end="4"/>
+                                            </p:txEl>
+                                          </p:spTgt>
+                                        </p:tgtEl>
+                                      </p:cBhvr>
+                                    </p:animEffect>
+                                  </p:childTnLst>
+                                </p:cTn>
+                              </p:par>
+                              <p:par>
+                                <p:cTn id="16" presetID="3" presetClass="entr" presetSubtype="10" fill="hold" nodeType="withEffect">
+                                  <p:stCondLst>
+                                    <p:cond delay="0"/>
+                                  </p:stCondLst>
+                                  <p:childTnLst>
+                                    <p:set>
+                                      <p:cBhvr>
+                                        <p:cTn id="17" dur="1" fill="hold">
+                                          <p:stCondLst>
+                                            <p:cond delay="0"/>
+                                          </p:stCondLst>
+                                        </p:cTn>
+                                        <p:tgtEl>
+                                          <p:spTgt spid="3">
+                                            <p:txEl>
+                                              <p:pRg st="5" end="5"/>
+                                            </p:txEl>
+                                          </p:spTgt>
+                                        </p:tgtEl>
+                                        <p:attrNameLst>
+                                          <p:attrName>style.visibility</p:attrName>
+                                        </p:attrNameLst>
+                                      </p:cBhvr>
+                                      <p:to>
+                                        <p:strVal val="visible"/>
+                                      </p:to>
+                                    </p:set>
+                                    <p:animEffect transition="in" filter="blinds(horizontal)">
+                                      <p:cBhvr>
+                                        <p:cTn id="18" dur="500"/>
+                                        <p:tgtEl>
+                                          <p:spTgt spid="3">
+                                            <p:txEl>
+                                              <p:pRg st="5" end="5"/>
+                                            </p:txEl>
+                                          </p:spTgt>
+                                        </p:tgtEl>
+                                      </p:cBhvr>
+                                    </p:animEffect>
+                                  </p:childTnLst>
+                                </p:cTn>
+                              </p:par>
+                            </p:childTnLst>
+                          </p:cTn>
+                        </p:par>
+                      </p:childTnLst>
+                    </p:cTn>
+                  </p:par>
+                  <p:par>
+                    <p:cTn id="19" fill="hold">
+                      <p:stCondLst>
+                        <p:cond delay="indefinite"/>
+                      </p:stCondLst>
+                      <p:childTnLst>
+                        <p:par>
+                          <p:cTn id="20" fill="hold">
+                            <p:stCondLst>
+                              <p:cond delay="0"/>
+                            </p:stCondLst>
+                            <p:childTnLst>
+                              <p:par>
+                                <p:cTn id="21" presetID="3" presetClass="entr" presetSubtype="10" fill="hold" nodeType="clickEffect">
+                                  <p:stCondLst>
+                                    <p:cond delay="0"/>
+                                  </p:stCondLst>
+                                  <p:childTnLst>
+                                    <p:set>
+                                      <p:cBhvr>
+                                        <p:cTn id="22" dur="1" fill="hold">
+                                          <p:stCondLst>
+                                            <p:cond delay="0"/>
+                                          </p:stCondLst>
+                                        </p:cTn>
+                                        <p:tgtEl>
+                                          <p:spTgt spid="3">
+                                            <p:txEl>
+                                              <p:pRg st="6" end="6"/>
+                                            </p:txEl>
+                                          </p:spTgt>
+                                        </p:tgtEl>
+                                        <p:attrNameLst>
+                                          <p:attrName>style.visibility</p:attrName>
+                                        </p:attrNameLst>
+                                      </p:cBhvr>
+                                      <p:to>
+                                        <p:strVal val="visible"/>
+                                      </p:to>
+                                    </p:set>
+                                    <p:animEffect transition="in" filter="blinds(horizontal)">
+                                      <p:cBhvr>
+                                        <p:cTn id="23" dur="500"/>
+                                        <p:tgtEl>
+                                          <p:spTgt spid="3">
+                                            <p:txEl>
+                                              <p:pRg st="6" end="6"/>
+                                            </p:txEl>
+                                          </p:spTgt>
+                                        </p:tgtEl>
+                                      </p:cBhvr>
+                                    </p:animEffect>
+                                  </p:childTnLst>
+                                </p:cTn>
+                              </p:par>
+                            </p:childTnLst>
+                          </p:cTn>
+                        </p:par>
+                      </p:childTnLst>
+                    </p:cTn>
+                  </p:par>
+                </p:childTnLst>
+              </p:cTn>
+              <p:prevCondLst>
+                <p:cond evt="onPrev" delay="0">
+                  <p:tgtEl>
+                    <p:sldTgt/>
+                  </p:tgtEl>
+                </p:cond>
+              </p:prevCondLst>
+              <p:nextCondLst>
+                <p:cond evt="onNext" delay="0">
+                  <p:tgtEl>
+                    <p:sldTgt/>
+                  </p:tgtEl>
+                </p:cond>
+              </p:nextCondLst>
+            </p:seq>
+          </p:childTnLst>
+        </p:cTn>
       </p:par>
     </p:tnLst>
   </p:timing>

--- a/relatorio/motion_graphs_presentation.pptx
+++ b/relatorio/motion_graphs_presentation.pptx
@@ -7228,13 +7228,8 @@
             <a:pPr lvl="1"/>
             <a:r>
               <a:rPr lang="en-GB" dirty="0" smtClean="0"/>
-              <a:t>Associate an error to each </a:t>
-            </a:r>
-            <a:r>
-              <a:rPr lang="en-GB" dirty="0" smtClean="0"/>
-              <a:t>animation:</a:t>
-            </a:r>
-            <a:endParaRPr lang="en-GB" dirty="0" smtClean="0"/>
+              <a:t>Associate an error to each animation:</a:t>
+            </a:r>
           </a:p>
         </p:txBody>
       </p:sp>
@@ -7361,7 +7356,7 @@
         </p:xfrm>
         <a:graphic>
           <a:graphicData uri="http://schemas.openxmlformats.org/presentationml/2006/ole">
-            <p:oleObj spid="_x0000_s36865" r:id="rId4" imgW="2618460" imgH="1404862" progId="Visio.Drawing.11">
+            <p:oleObj spid="_x0000_s36865" r:id="rId4" imgW="2618460" imgH="1404862" progId="">
               <p:embed/>
             </p:oleObj>
           </a:graphicData>
@@ -7439,26 +7434,13 @@
           <a:p>
             <a:r>
               <a:rPr lang="en-GB" dirty="0" smtClean="0"/>
-              <a:t>The </a:t>
-            </a:r>
+              <a:t>The process is repeated for all animations in each segment of the user defined path</a:t>
+            </a:r>
+          </a:p>
+          <a:p>
             <a:r>
               <a:rPr lang="en-GB" dirty="0" smtClean="0"/>
-              <a:t>process is repeated for all animations in each segment of the user defined path</a:t>
-            </a:r>
-            <a:endParaRPr lang="en-GB" dirty="0" smtClean="0"/>
-          </a:p>
-          <a:p>
-            <a:r>
-              <a:rPr lang="en-GB" dirty="0" smtClean="0"/>
-              <a:t>Then, for </a:t>
-            </a:r>
-            <a:r>
-              <a:rPr lang="en-GB" dirty="0" smtClean="0"/>
-              <a:t>each segment of the user defined path, we have the corresponding animation with the lowest </a:t>
-            </a:r>
-            <a:r>
-              <a:rPr lang="en-GB" dirty="0" smtClean="0"/>
-              <a:t>error</a:t>
+              <a:t>Then, for each segment of the user defined path, we have the corresponding animation with the lowest error</a:t>
             </a:r>
           </a:p>
           <a:p>
@@ -7621,11 +7603,7 @@
             </a:r>
             <a:r>
               <a:rPr lang="pt-PT" dirty="0" smtClean="0"/>
-              <a:t> </a:t>
-            </a:r>
-            <a:r>
-              <a:rPr lang="pt-PT" dirty="0" smtClean="0"/>
-              <a:t>demo</a:t>
+              <a:t> demo</a:t>
             </a:r>
           </a:p>
           <a:p>
@@ -7773,233 +7751,86 @@
         </p:nvSpPr>
         <p:spPr/>
         <p:txBody>
-          <a:bodyPr/>
-          <a:lstStyle/>
-          <a:p>
-            <a:r>
-              <a:rPr lang="pt-PT" dirty="0" smtClean="0"/>
-              <a:t>…</a:t>
-            </a:r>
-            <a:endParaRPr lang="pt-PT" dirty="0" smtClean="0"/>
-          </a:p>
-          <a:p>
-            <a:r>
-              <a:rPr lang="pt-PT" dirty="0" err="1" smtClean="0"/>
-              <a:t>The</a:t>
-            </a:r>
-            <a:r>
-              <a:rPr lang="pt-PT" dirty="0" smtClean="0"/>
-              <a:t> </a:t>
-            </a:r>
-            <a:r>
-              <a:rPr lang="pt-PT" dirty="0" err="1" smtClean="0"/>
-              <a:t>implementation</a:t>
-            </a:r>
-            <a:r>
-              <a:rPr lang="pt-PT" dirty="0" smtClean="0"/>
-              <a:t> </a:t>
-            </a:r>
-            <a:r>
-              <a:rPr lang="pt-PT" dirty="0" err="1" smtClean="0"/>
-              <a:t>still</a:t>
-            </a:r>
-            <a:r>
-              <a:rPr lang="pt-PT" dirty="0" smtClean="0"/>
-              <a:t> </a:t>
-            </a:r>
-            <a:r>
-              <a:rPr lang="pt-PT" dirty="0" err="1" smtClean="0"/>
-              <a:t>has</a:t>
-            </a:r>
-            <a:r>
-              <a:rPr lang="pt-PT" dirty="0" smtClean="0"/>
-              <a:t> a </a:t>
-            </a:r>
-            <a:r>
-              <a:rPr lang="pt-PT" dirty="0" err="1" smtClean="0"/>
-              <a:t>lot</a:t>
-            </a:r>
-            <a:r>
-              <a:rPr lang="pt-PT" dirty="0" smtClean="0"/>
-              <a:t> to </a:t>
-            </a:r>
-            <a:r>
-              <a:rPr lang="pt-PT" dirty="0" err="1" smtClean="0"/>
-              <a:t>improve</a:t>
-            </a:r>
-            <a:endParaRPr lang="pt-PT" dirty="0" smtClean="0"/>
+          <a:bodyPr>
+            <a:normAutofit lnSpcReduction="10000"/>
+          </a:bodyPr>
+          <a:lstStyle/>
+          <a:p>
+            <a:r>
+              <a:rPr lang="en-US" dirty="0" smtClean="0"/>
+              <a:t>Encountered some non expected problems:</a:t>
+            </a:r>
           </a:p>
           <a:p>
             <a:pPr lvl="1"/>
             <a:r>
-              <a:rPr lang="pt-PT" dirty="0" smtClean="0"/>
+              <a:rPr lang="en-US" dirty="0" smtClean="0"/>
+              <a:t>The animation must be rendered to register the movements</a:t>
+            </a:r>
+          </a:p>
+          <a:p>
+            <a:pPr lvl="1"/>
+            <a:r>
+              <a:rPr lang="en-US" dirty="0" err="1" smtClean="0"/>
+              <a:t>MoCap</a:t>
+            </a:r>
+            <a:r>
+              <a:rPr lang="en-US" dirty="0" smtClean="0"/>
+              <a:t> animations do not start at </a:t>
+            </a:r>
+            <a:r>
+              <a:rPr lang="en-US" smtClean="0"/>
+              <a:t>position (0,0,0)</a:t>
+            </a:r>
+          </a:p>
+          <a:p>
+            <a:pPr>
+              <a:buNone/>
+            </a:pPr>
+            <a:endParaRPr lang="en-US" dirty="0" smtClean="0"/>
+          </a:p>
+          <a:p>
+            <a:r>
+              <a:rPr lang="en-US" dirty="0" smtClean="0"/>
+              <a:t>The implementation still has a lot to improve</a:t>
+            </a:r>
+          </a:p>
+          <a:p>
+            <a:pPr lvl="1"/>
+            <a:r>
+              <a:rPr lang="en-US" dirty="0" smtClean="0"/>
               <a:t>Use </a:t>
             </a:r>
             <a:r>
-              <a:rPr lang="pt-PT" dirty="0" err="1" smtClean="0"/>
+              <a:rPr lang="en-US" dirty="0" err="1" smtClean="0"/>
               <a:t>splines</a:t>
             </a:r>
             <a:r>
-              <a:rPr lang="pt-PT" dirty="0" smtClean="0"/>
-              <a:t> for </a:t>
-            </a:r>
-            <a:r>
-              <a:rPr lang="pt-PT" dirty="0" err="1" smtClean="0"/>
-              <a:t>the</a:t>
-            </a:r>
-            <a:r>
-              <a:rPr lang="pt-PT" dirty="0" smtClean="0"/>
-              <a:t> </a:t>
-            </a:r>
-            <a:r>
-              <a:rPr lang="pt-PT" dirty="0" err="1" smtClean="0"/>
-              <a:t>user</a:t>
-            </a:r>
-            <a:r>
-              <a:rPr lang="pt-PT" dirty="0" smtClean="0"/>
-              <a:t> </a:t>
-            </a:r>
-            <a:r>
-              <a:rPr lang="pt-PT" dirty="0" err="1" smtClean="0"/>
-              <a:t>defined</a:t>
-            </a:r>
-            <a:r>
-              <a:rPr lang="pt-PT" dirty="0" smtClean="0"/>
-              <a:t> </a:t>
-            </a:r>
-            <a:r>
-              <a:rPr lang="pt-PT" dirty="0" err="1" smtClean="0"/>
-              <a:t>path</a:t>
-            </a:r>
-            <a:endParaRPr lang="pt-PT" dirty="0" smtClean="0"/>
+              <a:rPr lang="en-US" dirty="0" smtClean="0"/>
+              <a:t> for the user defined path</a:t>
+            </a:r>
           </a:p>
           <a:p>
             <a:pPr lvl="1"/>
             <a:r>
-              <a:rPr lang="pt-PT" dirty="0" err="1" smtClean="0"/>
-              <a:t>Correct</a:t>
-            </a:r>
-            <a:r>
-              <a:rPr lang="pt-PT" dirty="0" smtClean="0"/>
-              <a:t> </a:t>
-            </a:r>
-            <a:r>
-              <a:rPr lang="pt-PT" dirty="0" err="1" smtClean="0"/>
-              <a:t>the</a:t>
-            </a:r>
-            <a:r>
-              <a:rPr lang="pt-PT" dirty="0" smtClean="0"/>
-              <a:t> </a:t>
-            </a:r>
-            <a:r>
-              <a:rPr lang="pt-PT" dirty="0" err="1" smtClean="0"/>
-              <a:t>display</a:t>
-            </a:r>
-            <a:r>
-              <a:rPr lang="pt-PT" dirty="0" smtClean="0"/>
-              <a:t> </a:t>
-            </a:r>
-            <a:r>
-              <a:rPr lang="pt-PT" dirty="0" err="1" smtClean="0"/>
-              <a:t>of</a:t>
-            </a:r>
-            <a:r>
-              <a:rPr lang="pt-PT" dirty="0" smtClean="0"/>
-              <a:t> </a:t>
-            </a:r>
-            <a:r>
-              <a:rPr lang="pt-PT" dirty="0" err="1" smtClean="0"/>
-              <a:t>the</a:t>
-            </a:r>
-            <a:r>
-              <a:rPr lang="pt-PT" dirty="0" smtClean="0"/>
-              <a:t> </a:t>
-            </a:r>
-            <a:r>
-              <a:rPr lang="pt-PT" dirty="0" err="1" smtClean="0"/>
-              <a:t>calculated</a:t>
-            </a:r>
-            <a:r>
-              <a:rPr lang="pt-PT" dirty="0" smtClean="0"/>
-              <a:t> </a:t>
-            </a:r>
-            <a:r>
-              <a:rPr lang="pt-PT" dirty="0" err="1" smtClean="0"/>
-              <a:t>motion</a:t>
-            </a:r>
-            <a:endParaRPr lang="pt-PT" dirty="0" smtClean="0"/>
+              <a:rPr lang="en-US" dirty="0" smtClean="0"/>
+              <a:t>Correct the display of the calculated motion</a:t>
+            </a:r>
           </a:p>
           <a:p>
             <a:pPr lvl="1"/>
             <a:r>
-              <a:rPr lang="pt-PT" dirty="0" err="1" smtClean="0"/>
-              <a:t>Fully</a:t>
-            </a:r>
-            <a:r>
-              <a:rPr lang="pt-PT" dirty="0" smtClean="0"/>
-              <a:t> </a:t>
-            </a:r>
-            <a:r>
-              <a:rPr lang="pt-PT" dirty="0" err="1" smtClean="0"/>
-              <a:t>integrate</a:t>
-            </a:r>
-            <a:r>
-              <a:rPr lang="pt-PT" dirty="0" smtClean="0"/>
-              <a:t> </a:t>
-            </a:r>
-            <a:r>
-              <a:rPr lang="pt-PT" dirty="0" err="1" smtClean="0"/>
-              <a:t>with</a:t>
-            </a:r>
-            <a:r>
-              <a:rPr lang="pt-PT" dirty="0" smtClean="0"/>
-              <a:t> </a:t>
-            </a:r>
-            <a:r>
-              <a:rPr lang="pt-PT" dirty="0" err="1" smtClean="0"/>
-              <a:t>the</a:t>
-            </a:r>
-            <a:r>
-              <a:rPr lang="pt-PT" dirty="0" smtClean="0"/>
-              <a:t> </a:t>
-            </a:r>
-            <a:r>
-              <a:rPr lang="pt-PT" dirty="0" err="1" smtClean="0"/>
-              <a:t>remaining</a:t>
-            </a:r>
-            <a:r>
-              <a:rPr lang="pt-PT" dirty="0" smtClean="0"/>
-              <a:t> </a:t>
-            </a:r>
-            <a:r>
-              <a:rPr lang="pt-PT" dirty="0" err="1" smtClean="0"/>
-              <a:t>system</a:t>
-            </a:r>
-            <a:endParaRPr lang="pt-PT" dirty="0" smtClean="0"/>
+              <a:rPr lang="en-US" dirty="0" smtClean="0"/>
+              <a:t>Fully integrate with the remaining system</a:t>
+            </a:r>
           </a:p>
           <a:p>
             <a:pPr lvl="1"/>
             <a:r>
-              <a:rPr lang="pt-PT" dirty="0" err="1" smtClean="0"/>
-              <a:t>Improve</a:t>
-            </a:r>
-            <a:r>
-              <a:rPr lang="pt-PT" dirty="0" smtClean="0"/>
-              <a:t> </a:t>
-            </a:r>
-            <a:r>
-              <a:rPr lang="pt-PT" dirty="0" err="1" smtClean="0"/>
-              <a:t>user</a:t>
-            </a:r>
-            <a:r>
-              <a:rPr lang="pt-PT" dirty="0" smtClean="0"/>
-              <a:t> </a:t>
-            </a:r>
-            <a:r>
-              <a:rPr lang="pt-PT" dirty="0" err="1" smtClean="0"/>
-              <a:t>interaction</a:t>
-            </a:r>
-            <a:endParaRPr lang="pt-PT" dirty="0"/>
+              <a:rPr lang="en-US" dirty="0" smtClean="0"/>
+              <a:t>Improve user interaction</a:t>
+            </a:r>
+            <a:endParaRPr lang="en-US" dirty="0"/>
           </a:p>
         </p:txBody>
       </p:sp>
@@ -8358,7 +8189,6 @@
               <a:rPr lang="en-US" dirty="0" smtClean="0"/>
               <a:t>Conclusions and future work</a:t>
             </a:r>
-            <a:endParaRPr lang="en-US" dirty="0" smtClean="0"/>
           </a:p>
           <a:p>
             <a:endParaRPr lang="en-US" dirty="0"/>
@@ -8553,7 +8383,7 @@
             </a:r>
             <a:r>
               <a:rPr lang="pt-PT" dirty="0" err="1" smtClean="0"/>
-              <a:t>Al</a:t>
+              <a:t>al</a:t>
             </a:r>
             <a:endParaRPr lang="en-US" dirty="0" smtClean="0"/>
           </a:p>

--- a/relatorio/motion_graphs_presentation.pptx
+++ b/relatorio/motion_graphs_presentation.pptx
@@ -7776,11 +7776,7 @@
             </a:r>
             <a:r>
               <a:rPr lang="en-US" dirty="0" smtClean="0"/>
-              <a:t> animations do not start at </a:t>
-            </a:r>
-            <a:r>
-              <a:rPr lang="en-US" smtClean="0"/>
-              <a:t>position (0,0,0)</a:t>
+              <a:t> animations do not start at position (0,0,0)</a:t>
             </a:r>
           </a:p>
           <a:p>

--- a/relatorio/motion_graphs_presentation.pptx
+++ b/relatorio/motion_graphs_presentation.pptx
@@ -7060,10 +7060,22 @@
           <a:bodyPr/>
           <a:lstStyle/>
           <a:p>
+            <a:endParaRPr lang="pt-PT" dirty="0" smtClean="0"/>
+          </a:p>
+          <a:p>
             <a:r>
               <a:rPr lang="pt-PT" dirty="0" smtClean="0"/>
-              <a:t>Nuno A. Silva</a:t>
-            </a:r>
+              <a:t>Nuno </a:t>
+            </a:r>
+            <a:r>
+              <a:rPr lang="pt-PT" dirty="0" smtClean="0"/>
+              <a:t>A. </a:t>
+            </a:r>
+            <a:r>
+              <a:rPr lang="pt-PT" dirty="0" smtClean="0"/>
+              <a:t>Silva 	pg17455</a:t>
+            </a:r>
+            <a:endParaRPr lang="pt-PT" dirty="0" smtClean="0"/>
           </a:p>
           <a:p>
             <a:r>
@@ -7072,7 +7084,11 @@
             </a:r>
             <a:r>
               <a:rPr lang="pt-PT" dirty="0" smtClean="0"/>
-              <a:t> Miranda</a:t>
+              <a:t> </a:t>
+            </a:r>
+            <a:r>
+              <a:rPr lang="pt-PT" dirty="0" smtClean="0"/>
+              <a:t>Miranda 	pg14439</a:t>
             </a:r>
             <a:endParaRPr lang="pt-PT" dirty="0"/>
           </a:p>
